--- a/하계특훈 발표/200717_하계특훈_2014180011_김영범.pptx
+++ b/하계특훈 발표/200717_하계특훈_2014180011_김영범.pptx
@@ -116,7 +116,7 @@
   </p:defaultTextStyle>
   <p:extLst>
     <p:ext uri="{EFAFB233-063F-42B5-8137-9DF3F51BA10A}">
-      <p15:sldGuideLst xmlns:p15="http://schemas.microsoft.com/office/powerpoint/2012/main" xmlns="">
+      <p15:sldGuideLst xmlns:p15="http://schemas.microsoft.com/office/powerpoint/2012/main">
         <p15:guide id="1" orient="horz" pos="2160">
           <p15:clr>
             <a:srgbClr val="A4A3A4"/>
@@ -130,7 +130,7 @@
       </p15:sldGuideLst>
     </p:ext>
     <p:ext uri="{2D200454-40CA-4A62-9FC3-DE9A4176ACB9}">
-      <p15:notesGuideLst xmlns:p15="http://schemas.microsoft.com/office/powerpoint/2012/main" xmlns=""/>
+      <p15:notesGuideLst xmlns:p15="http://schemas.microsoft.com/office/powerpoint/2012/main"/>
     </p:ext>
   </p:extLst>
 </p:presentation>
@@ -141,7 +141,7 @@
   <p:cmAuthor id="1" name="Kim YoungBum" initials="KY" lastIdx="1" clrIdx="0">
     <p:extLst>
       <p:ext uri="{19B8F6BF-5375-455C-9EA6-DF929625EA0E}">
-        <p15:presenceInfo xmlns:p15="http://schemas.microsoft.com/office/powerpoint/2012/main" xmlns="" userId="58bde64b80528bfe" providerId="Windows Live"/>
+        <p15:presenceInfo xmlns:p15="http://schemas.microsoft.com/office/powerpoint/2012/main" userId="58bde64b80528bfe" providerId="Windows Live"/>
       </p:ext>
     </p:extLst>
   </p:cmAuthor>
@@ -230,7 +230,7 @@
           <a:p>
             <a:fld id="{413548A9-17B7-486F-BAE8-5C551821AB5E}" type="datetimeFigureOut">
               <a:rPr lang="ko-KR" altLang="en-US" smtClean="0"/>
-              <a:t>2020-07-17</a:t>
+              <a:t>2020-08-25</a:t>
             </a:fld>
             <a:endParaRPr lang="ko-KR" altLang="en-US"/>
           </a:p>
@@ -635,7 +635,7 @@
                   </a:prstClr>
                 </a:solidFill>
               </a:rPr>
-              <a:t>2020-07-17</a:t>
+              <a:t>2020-08-25</a:t>
             </a:fld>
             <a:endParaRPr lang="ko-KR" altLang="en-US">
               <a:solidFill>
@@ -800,7 +800,7 @@
                   </a:prstClr>
                 </a:solidFill>
               </a:rPr>
-              <a:t>2020-07-17</a:t>
+              <a:t>2020-08-25</a:t>
             </a:fld>
             <a:endParaRPr lang="ko-KR" altLang="en-US">
               <a:solidFill>
@@ -975,7 +975,7 @@
                   </a:prstClr>
                 </a:solidFill>
               </a:rPr>
-              <a:t>2020-07-17</a:t>
+              <a:t>2020-08-25</a:t>
             </a:fld>
             <a:endParaRPr lang="ko-KR" altLang="en-US">
               <a:solidFill>
@@ -1140,7 +1140,7 @@
                   </a:prstClr>
                 </a:solidFill>
               </a:rPr>
-              <a:t>2020-07-17</a:t>
+              <a:t>2020-08-25</a:t>
             </a:fld>
             <a:endParaRPr lang="ko-KR" altLang="en-US">
               <a:solidFill>
@@ -1381,7 +1381,7 @@
                   </a:prstClr>
                 </a:solidFill>
               </a:rPr>
-              <a:t>2020-07-17</a:t>
+              <a:t>2020-08-25</a:t>
             </a:fld>
             <a:endParaRPr lang="ko-KR" altLang="en-US">
               <a:solidFill>
@@ -1608,7 +1608,7 @@
                   </a:prstClr>
                 </a:solidFill>
               </a:rPr>
-              <a:t>2020-07-17</a:t>
+              <a:t>2020-08-25</a:t>
             </a:fld>
             <a:endParaRPr lang="ko-KR" altLang="en-US">
               <a:solidFill>
@@ -1970,7 +1970,7 @@
                   </a:prstClr>
                 </a:solidFill>
               </a:rPr>
-              <a:t>2020-07-17</a:t>
+              <a:t>2020-08-25</a:t>
             </a:fld>
             <a:endParaRPr lang="ko-KR" altLang="en-US">
               <a:solidFill>
@@ -2083,7 +2083,7 @@
                   </a:prstClr>
                 </a:solidFill>
               </a:rPr>
-              <a:t>2020-07-17</a:t>
+              <a:t>2020-08-25</a:t>
             </a:fld>
             <a:endParaRPr lang="ko-KR" altLang="en-US">
               <a:solidFill>
@@ -2173,7 +2173,7 @@
                   </a:prstClr>
                 </a:solidFill>
               </a:rPr>
-              <a:t>2020-07-17</a:t>
+              <a:t>2020-08-25</a:t>
             </a:fld>
             <a:endParaRPr lang="ko-KR" altLang="en-US">
               <a:solidFill>
@@ -2445,7 +2445,7 @@
                   </a:prstClr>
                 </a:solidFill>
               </a:rPr>
-              <a:t>2020-07-17</a:t>
+              <a:t>2020-08-25</a:t>
             </a:fld>
             <a:endParaRPr lang="ko-KR" altLang="en-US">
               <a:solidFill>
@@ -2693,7 +2693,7 @@
                   </a:prstClr>
                 </a:solidFill>
               </a:rPr>
-              <a:t>2020-07-17</a:t>
+              <a:t>2020-08-25</a:t>
             </a:fld>
             <a:endParaRPr lang="ko-KR" altLang="en-US">
               <a:solidFill>
@@ -2901,7 +2901,7 @@
                   </a:prstClr>
                 </a:solidFill>
               </a:rPr>
-              <a:t>2020-07-17</a:t>
+              <a:t>2020-08-25</a:t>
             </a:fld>
             <a:endParaRPr lang="ko-KR" altLang="en-US">
               <a:solidFill>
@@ -3687,7 +3687,7 @@
           <p:cNvPr id="6" name="직사각형 5">
             <a:extLst>
               <a:ext uri="{FF2B5EF4-FFF2-40B4-BE49-F238E27FC236}">
-                <a16:creationId xmlns:a16="http://schemas.microsoft.com/office/drawing/2014/main" xmlns="" id="{3FA00699-5178-465A-9F3F-130CF1431F70}"/>
+                <a16:creationId xmlns:a16="http://schemas.microsoft.com/office/drawing/2014/main" id="{3FA00699-5178-465A-9F3F-130CF1431F70}"/>
               </a:ext>
             </a:extLst>
           </p:cNvPr>
@@ -3803,7 +3803,7 @@
           <p:cNvPr id="7" name="직사각형 6">
             <a:extLst>
               <a:ext uri="{FF2B5EF4-FFF2-40B4-BE49-F238E27FC236}">
-                <a16:creationId xmlns:a16="http://schemas.microsoft.com/office/drawing/2014/main" xmlns="" id="{3FA00699-5178-465A-9F3F-130CF1431F70}"/>
+                <a16:creationId xmlns:a16="http://schemas.microsoft.com/office/drawing/2014/main" id="{3FA00699-5178-465A-9F3F-130CF1431F70}"/>
               </a:ext>
             </a:extLst>
           </p:cNvPr>
@@ -3860,7 +3860,7 @@
           <p:cNvPr id="8" name="직사각형 7">
             <a:extLst>
               <a:ext uri="{FF2B5EF4-FFF2-40B4-BE49-F238E27FC236}">
-                <a16:creationId xmlns:a16="http://schemas.microsoft.com/office/drawing/2014/main" xmlns="" id="{3FA00699-5178-465A-9F3F-130CF1431F70}"/>
+                <a16:creationId xmlns:a16="http://schemas.microsoft.com/office/drawing/2014/main" id="{3FA00699-5178-465A-9F3F-130CF1431F70}"/>
               </a:ext>
             </a:extLst>
           </p:cNvPr>
@@ -3895,17 +3895,7 @@
                   </a:srgbClr>
                 </a:solidFill>
               </a:rPr>
-              <a:t>2020 – 07 – </a:t>
-            </a:r>
-            <a:r>
-              <a:rPr lang="en-US" altLang="ko-KR" sz="1600" dirty="0" smtClean="0">
-                <a:solidFill>
-                  <a:srgbClr val="44546A">
-                    <a:lumMod val="75000"/>
-                  </a:srgbClr>
-                </a:solidFill>
-              </a:rPr>
-              <a:t>17</a:t>
+              <a:t>2020 – 07 – 17</a:t>
             </a:r>
             <a:endParaRPr lang="en-US" altLang="ko-KR" sz="1600" dirty="0">
               <a:solidFill>
@@ -4002,7 +3992,7 @@
           <p:cNvPr id="9" name="직사각형 8">
             <a:extLst>
               <a:ext uri="{FF2B5EF4-FFF2-40B4-BE49-F238E27FC236}">
-                <a16:creationId xmlns:a16="http://schemas.microsoft.com/office/drawing/2014/main" xmlns="" id="{3FA00699-5178-465A-9F3F-130CF1431F70}"/>
+                <a16:creationId xmlns:a16="http://schemas.microsoft.com/office/drawing/2014/main" id="{3FA00699-5178-465A-9F3F-130CF1431F70}"/>
               </a:ext>
             </a:extLst>
           </p:cNvPr>
@@ -4054,7 +4044,7 @@
           <p:cNvPr id="10" name="직사각형 9">
             <a:extLst>
               <a:ext uri="{FF2B5EF4-FFF2-40B4-BE49-F238E27FC236}">
-                <a16:creationId xmlns:a16="http://schemas.microsoft.com/office/drawing/2014/main" xmlns="" id="{3FA00699-5178-465A-9F3F-130CF1431F70}"/>
+                <a16:creationId xmlns:a16="http://schemas.microsoft.com/office/drawing/2014/main" id="{3FA00699-5178-465A-9F3F-130CF1431F70}"/>
               </a:ext>
             </a:extLst>
           </p:cNvPr>
@@ -4102,7 +4092,7 @@
           <p:cNvPr id="11" name="직사각형 10">
             <a:extLst>
               <a:ext uri="{FF2B5EF4-FFF2-40B4-BE49-F238E27FC236}">
-                <a16:creationId xmlns:a16="http://schemas.microsoft.com/office/drawing/2014/main" xmlns="" id="{3FA00699-5178-465A-9F3F-130CF1431F70}"/>
+                <a16:creationId xmlns:a16="http://schemas.microsoft.com/office/drawing/2014/main" id="{3FA00699-5178-465A-9F3F-130CF1431F70}"/>
               </a:ext>
             </a:extLst>
           </p:cNvPr>
@@ -4154,7 +4144,7 @@
           <p:cNvPr id="12" name="직사각형 11">
             <a:extLst>
               <a:ext uri="{FF2B5EF4-FFF2-40B4-BE49-F238E27FC236}">
-                <a16:creationId xmlns:a16="http://schemas.microsoft.com/office/drawing/2014/main" xmlns="" id="{3FA00699-5178-465A-9F3F-130CF1431F70}"/>
+                <a16:creationId xmlns:a16="http://schemas.microsoft.com/office/drawing/2014/main" id="{3FA00699-5178-465A-9F3F-130CF1431F70}"/>
               </a:ext>
             </a:extLst>
           </p:cNvPr>
@@ -4389,7 +4379,7 @@
           <p:cNvPr id="33" name="직사각형 32">
             <a:extLst>
               <a:ext uri="{FF2B5EF4-FFF2-40B4-BE49-F238E27FC236}">
-                <a16:creationId xmlns:a16="http://schemas.microsoft.com/office/drawing/2014/main" xmlns="" id="{3FA00699-5178-465A-9F3F-130CF1431F70}"/>
+                <a16:creationId xmlns:a16="http://schemas.microsoft.com/office/drawing/2014/main" id="{3FA00699-5178-465A-9F3F-130CF1431F70}"/>
               </a:ext>
             </a:extLst>
           </p:cNvPr>
@@ -4451,7 +4441,7 @@
           <p:cNvPr id="14" name="직사각형 13">
             <a:extLst>
               <a:ext uri="{FF2B5EF4-FFF2-40B4-BE49-F238E27FC236}">
-                <a16:creationId xmlns:a16="http://schemas.microsoft.com/office/drawing/2014/main" xmlns="" id="{3FA00699-5178-465A-9F3F-130CF1431F70}"/>
+                <a16:creationId xmlns:a16="http://schemas.microsoft.com/office/drawing/2014/main" id="{3FA00699-5178-465A-9F3F-130CF1431F70}"/>
               </a:ext>
             </a:extLst>
           </p:cNvPr>
@@ -4515,9 +4505,27 @@
                 <a:tableStyleId>{5940675A-B579-460E-94D1-54222C63F5DA}</a:tableStyleId>
               </a:tblPr>
               <a:tblGrid>
-                <a:gridCol w="2676480"/>
-                <a:gridCol w="2676480"/>
-                <a:gridCol w="2676480"/>
+                <a:gridCol w="2676480">
+                  <a:extLst>
+                    <a:ext uri="{9D8B030D-6E8A-4147-A177-3AD203B41FA5}">
+                      <a16:colId xmlns:a16="http://schemas.microsoft.com/office/drawing/2014/main" val="20000"/>
+                    </a:ext>
+                  </a:extLst>
+                </a:gridCol>
+                <a:gridCol w="2676480">
+                  <a:extLst>
+                    <a:ext uri="{9D8B030D-6E8A-4147-A177-3AD203B41FA5}">
+                      <a16:colId xmlns:a16="http://schemas.microsoft.com/office/drawing/2014/main" val="20001"/>
+                    </a:ext>
+                  </a:extLst>
+                </a:gridCol>
+                <a:gridCol w="2676480">
+                  <a:extLst>
+                    <a:ext uri="{9D8B030D-6E8A-4147-A177-3AD203B41FA5}">
+                      <a16:colId xmlns:a16="http://schemas.microsoft.com/office/drawing/2014/main" val="20002"/>
+                    </a:ext>
+                  </a:extLst>
+                </a:gridCol>
               </a:tblGrid>
               <a:tr h="630283">
                 <a:tc rowSpan="2">
@@ -4588,6 +4596,11 @@
                   </a:txBody>
                   <a:tcPr anchor="ctr"/>
                 </a:tc>
+                <a:extLst>
+                  <a:ext uri="{0D108BD9-81ED-4DB2-BD59-A6C34878D82A}">
+                    <a16:rowId xmlns:a16="http://schemas.microsoft.com/office/drawing/2014/main" val="10000"/>
+                  </a:ext>
+                </a:extLst>
               </a:tr>
               <a:tr h="630283">
                 <a:tc vMerge="1">
@@ -4627,6 +4640,11 @@
                   </a:txBody>
                   <a:tcPr anchor="ctr"/>
                 </a:tc>
+                <a:extLst>
+                  <a:ext uri="{0D108BD9-81ED-4DB2-BD59-A6C34878D82A}">
+                    <a16:rowId xmlns:a16="http://schemas.microsoft.com/office/drawing/2014/main" val="10001"/>
+                  </a:ext>
+                </a:extLst>
               </a:tr>
               <a:tr h="630283">
                 <a:tc rowSpan="2">
@@ -4697,6 +4715,11 @@
                   </a:txBody>
                   <a:tcPr anchor="ctr"/>
                 </a:tc>
+                <a:extLst>
+                  <a:ext uri="{0D108BD9-81ED-4DB2-BD59-A6C34878D82A}">
+                    <a16:rowId xmlns:a16="http://schemas.microsoft.com/office/drawing/2014/main" val="10002"/>
+                  </a:ext>
+                </a:extLst>
               </a:tr>
               <a:tr h="630283">
                 <a:tc vMerge="1">
@@ -4736,6 +4759,11 @@
                   </a:txBody>
                   <a:tcPr anchor="ctr"/>
                 </a:tc>
+                <a:extLst>
+                  <a:ext uri="{0D108BD9-81ED-4DB2-BD59-A6C34878D82A}">
+                    <a16:rowId xmlns:a16="http://schemas.microsoft.com/office/drawing/2014/main" val="10003"/>
+                  </a:ext>
+                </a:extLst>
               </a:tr>
               <a:tr h="630283">
                 <a:tc rowSpan="2">
@@ -4803,6 +4831,11 @@
                   </a:txBody>
                   <a:tcPr anchor="ctr"/>
                 </a:tc>
+                <a:extLst>
+                  <a:ext uri="{0D108BD9-81ED-4DB2-BD59-A6C34878D82A}">
+                    <a16:rowId xmlns:a16="http://schemas.microsoft.com/office/drawing/2014/main" val="10004"/>
+                  </a:ext>
+                </a:extLst>
               </a:tr>
               <a:tr h="630283">
                 <a:tc vMerge="1">
@@ -4842,6 +4875,11 @@
                   </a:txBody>
                   <a:tcPr anchor="ctr"/>
                 </a:tc>
+                <a:extLst>
+                  <a:ext uri="{0D108BD9-81ED-4DB2-BD59-A6C34878D82A}">
+                    <a16:rowId xmlns:a16="http://schemas.microsoft.com/office/drawing/2014/main" val="10005"/>
+                  </a:ext>
+                </a:extLst>
               </a:tr>
               <a:tr h="630283">
                 <a:tc rowSpan="2">
@@ -4909,6 +4947,11 @@
                   </a:txBody>
                   <a:tcPr anchor="ctr"/>
                 </a:tc>
+                <a:extLst>
+                  <a:ext uri="{0D108BD9-81ED-4DB2-BD59-A6C34878D82A}">
+                    <a16:rowId xmlns:a16="http://schemas.microsoft.com/office/drawing/2014/main" val="10006"/>
+                  </a:ext>
+                </a:extLst>
               </a:tr>
               <a:tr h="630283">
                 <a:tc vMerge="1">
@@ -4948,6 +4991,11 @@
                   </a:txBody>
                   <a:tcPr anchor="ctr"/>
                 </a:tc>
+                <a:extLst>
+                  <a:ext uri="{0D108BD9-81ED-4DB2-BD59-A6C34878D82A}">
+                    <a16:rowId xmlns:a16="http://schemas.microsoft.com/office/drawing/2014/main" val="10007"/>
+                  </a:ext>
+                </a:extLst>
               </a:tr>
             </a:tbl>
           </a:graphicData>
@@ -5548,7 +5596,7 @@
           <p:cNvPr id="33" name="직사각형 32">
             <a:extLst>
               <a:ext uri="{FF2B5EF4-FFF2-40B4-BE49-F238E27FC236}">
-                <a16:creationId xmlns:a16="http://schemas.microsoft.com/office/drawing/2014/main" xmlns="" id="{3FA00699-5178-465A-9F3F-130CF1431F70}"/>
+                <a16:creationId xmlns:a16="http://schemas.microsoft.com/office/drawing/2014/main" id="{3FA00699-5178-465A-9F3F-130CF1431F70}"/>
               </a:ext>
             </a:extLst>
           </p:cNvPr>
@@ -5610,7 +5658,7 @@
           <p:cNvPr id="14" name="직사각형 13">
             <a:extLst>
               <a:ext uri="{FF2B5EF4-FFF2-40B4-BE49-F238E27FC236}">
-                <a16:creationId xmlns:a16="http://schemas.microsoft.com/office/drawing/2014/main" xmlns="" id="{3FA00699-5178-465A-9F3F-130CF1431F70}"/>
+                <a16:creationId xmlns:a16="http://schemas.microsoft.com/office/drawing/2014/main" id="{3FA00699-5178-465A-9F3F-130CF1431F70}"/>
               </a:ext>
             </a:extLst>
           </p:cNvPr>
@@ -5674,9 +5722,27 @@
                 <a:tableStyleId>{5940675A-B579-460E-94D1-54222C63F5DA}</a:tableStyleId>
               </a:tblPr>
               <a:tblGrid>
-                <a:gridCol w="2676480"/>
-                <a:gridCol w="2676480"/>
-                <a:gridCol w="2676480"/>
+                <a:gridCol w="2676480">
+                  <a:extLst>
+                    <a:ext uri="{9D8B030D-6E8A-4147-A177-3AD203B41FA5}">
+                      <a16:colId xmlns:a16="http://schemas.microsoft.com/office/drawing/2014/main" val="20000"/>
+                    </a:ext>
+                  </a:extLst>
+                </a:gridCol>
+                <a:gridCol w="2676480">
+                  <a:extLst>
+                    <a:ext uri="{9D8B030D-6E8A-4147-A177-3AD203B41FA5}">
+                      <a16:colId xmlns:a16="http://schemas.microsoft.com/office/drawing/2014/main" val="20001"/>
+                    </a:ext>
+                  </a:extLst>
+                </a:gridCol>
+                <a:gridCol w="2676480">
+                  <a:extLst>
+                    <a:ext uri="{9D8B030D-6E8A-4147-A177-3AD203B41FA5}">
+                      <a16:colId xmlns:a16="http://schemas.microsoft.com/office/drawing/2014/main" val="20002"/>
+                    </a:ext>
+                  </a:extLst>
+                </a:gridCol>
               </a:tblGrid>
               <a:tr h="630283">
                 <a:tc rowSpan="2">
@@ -5736,6 +5802,11 @@
                   </a:txBody>
                   <a:tcPr anchor="ctr"/>
                 </a:tc>
+                <a:extLst>
+                  <a:ext uri="{0D108BD9-81ED-4DB2-BD59-A6C34878D82A}">
+                    <a16:rowId xmlns:a16="http://schemas.microsoft.com/office/drawing/2014/main" val="10000"/>
+                  </a:ext>
+                </a:extLst>
               </a:tr>
               <a:tr h="630283">
                 <a:tc vMerge="1">
@@ -5775,6 +5846,11 @@
                   </a:txBody>
                   <a:tcPr anchor="ctr"/>
                 </a:tc>
+                <a:extLst>
+                  <a:ext uri="{0D108BD9-81ED-4DB2-BD59-A6C34878D82A}">
+                    <a16:rowId xmlns:a16="http://schemas.microsoft.com/office/drawing/2014/main" val="10001"/>
+                  </a:ext>
+                </a:extLst>
               </a:tr>
               <a:tr h="630283">
                 <a:tc rowSpan="2">
@@ -5842,6 +5918,11 @@
                   </a:txBody>
                   <a:tcPr anchor="ctr"/>
                 </a:tc>
+                <a:extLst>
+                  <a:ext uri="{0D108BD9-81ED-4DB2-BD59-A6C34878D82A}">
+                    <a16:rowId xmlns:a16="http://schemas.microsoft.com/office/drawing/2014/main" val="10002"/>
+                  </a:ext>
+                </a:extLst>
               </a:tr>
               <a:tr h="630283">
                 <a:tc vMerge="1">
@@ -5881,6 +5962,11 @@
                   </a:txBody>
                   <a:tcPr anchor="ctr"/>
                 </a:tc>
+                <a:extLst>
+                  <a:ext uri="{0D108BD9-81ED-4DB2-BD59-A6C34878D82A}">
+                    <a16:rowId xmlns:a16="http://schemas.microsoft.com/office/drawing/2014/main" val="10003"/>
+                  </a:ext>
+                </a:extLst>
               </a:tr>
               <a:tr h="630283">
                 <a:tc rowSpan="2">
@@ -5948,6 +6034,11 @@
                   </a:txBody>
                   <a:tcPr anchor="ctr"/>
                 </a:tc>
+                <a:extLst>
+                  <a:ext uri="{0D108BD9-81ED-4DB2-BD59-A6C34878D82A}">
+                    <a16:rowId xmlns:a16="http://schemas.microsoft.com/office/drawing/2014/main" val="10004"/>
+                  </a:ext>
+                </a:extLst>
               </a:tr>
               <a:tr h="630283">
                 <a:tc vMerge="1">
@@ -5987,6 +6078,11 @@
                   </a:txBody>
                   <a:tcPr anchor="ctr"/>
                 </a:tc>
+                <a:extLst>
+                  <a:ext uri="{0D108BD9-81ED-4DB2-BD59-A6C34878D82A}">
+                    <a16:rowId xmlns:a16="http://schemas.microsoft.com/office/drawing/2014/main" val="10005"/>
+                  </a:ext>
+                </a:extLst>
               </a:tr>
               <a:tr h="630283">
                 <a:tc rowSpan="2">
@@ -6054,6 +6150,11 @@
                   </a:txBody>
                   <a:tcPr anchor="ctr"/>
                 </a:tc>
+                <a:extLst>
+                  <a:ext uri="{0D108BD9-81ED-4DB2-BD59-A6C34878D82A}">
+                    <a16:rowId xmlns:a16="http://schemas.microsoft.com/office/drawing/2014/main" val="10006"/>
+                  </a:ext>
+                </a:extLst>
               </a:tr>
               <a:tr h="630283">
                 <a:tc vMerge="1">
@@ -6093,6 +6194,11 @@
                   </a:txBody>
                   <a:tcPr anchor="ctr"/>
                 </a:tc>
+                <a:extLst>
+                  <a:ext uri="{0D108BD9-81ED-4DB2-BD59-A6C34878D82A}">
+                    <a16:rowId xmlns:a16="http://schemas.microsoft.com/office/drawing/2014/main" val="10007"/>
+                  </a:ext>
+                </a:extLst>
               </a:tr>
             </a:tbl>
           </a:graphicData>
@@ -6693,7 +6799,7 @@
           <p:cNvPr id="14" name="직사각형 13">
             <a:extLst>
               <a:ext uri="{FF2B5EF4-FFF2-40B4-BE49-F238E27FC236}">
-                <a16:creationId xmlns:a16="http://schemas.microsoft.com/office/drawing/2014/main" xmlns="" id="{3FA00699-5178-465A-9F3F-130CF1431F70}"/>
+                <a16:creationId xmlns:a16="http://schemas.microsoft.com/office/drawing/2014/main" id="{3FA00699-5178-465A-9F3F-130CF1431F70}"/>
               </a:ext>
             </a:extLst>
           </p:cNvPr>
@@ -6732,13 +6838,84 @@
               <a:rPr lang="en-US" altLang="ko-KR" sz="1400" b="1" dirty="0"/>
               <a:t>- 1</a:t>
             </a:r>
-            <a:endParaRPr lang="en-US" altLang="ko-KR" sz="1400" b="1" dirty="0"/>
+          </a:p>
+        </p:txBody>
+      </p:sp>
+      <p:sp>
+        <p:nvSpPr>
+          <p:cNvPr id="16" name="직사각형 15">
+            <a:extLst>
+              <a:ext uri="{FF2B5EF4-FFF2-40B4-BE49-F238E27FC236}">
+                <a16:creationId xmlns:a16="http://schemas.microsoft.com/office/drawing/2014/main" id="{3FA00699-5178-465A-9F3F-130CF1431F70}"/>
+              </a:ext>
+            </a:extLst>
+          </p:cNvPr>
+          <p:cNvSpPr/>
+          <p:nvPr/>
+        </p:nvSpPr>
+        <p:spPr>
+          <a:xfrm>
+            <a:off x="589054" y="547161"/>
+            <a:ext cx="4453209" cy="646331"/>
+          </a:xfrm>
+          <a:prstGeom prst="rect">
+            <a:avLst/>
+          </a:prstGeom>
+        </p:spPr>
+        <p:txBody>
+          <a:bodyPr wrap="square" anchor="ctr">
+            <a:spAutoFit/>
+          </a:bodyPr>
+          <a:lstStyle/>
+          <a:p>
+            <a:pPr>
+              <a:lnSpc>
+                <a:spcPct val="150000"/>
+              </a:lnSpc>
+            </a:pPr>
+            <a:r>
+              <a:rPr lang="ko-KR" altLang="en-US" sz="2400" b="1" dirty="0" smtClean="0">
+                <a:solidFill>
+                  <a:srgbClr val="44546A">
+                    <a:lumMod val="75000"/>
+                  </a:srgbClr>
+                </a:solidFill>
+              </a:rPr>
+              <a:t>살인마협회장</a:t>
+            </a:r>
+            <a:r>
+              <a:rPr lang="en-US" altLang="ko-KR" sz="2400" b="1" dirty="0" smtClean="0">
+                <a:solidFill>
+                  <a:srgbClr val="44546A">
+                    <a:lumMod val="75000"/>
+                  </a:srgbClr>
+                </a:solidFill>
+              </a:rPr>
+              <a:t>(DBD) </a:t>
+            </a:r>
+            <a:r>
+              <a:rPr lang="ko-KR" altLang="en-US" sz="2400" b="1" dirty="0" smtClean="0">
+                <a:solidFill>
+                  <a:srgbClr val="44546A">
+                    <a:lumMod val="75000"/>
+                  </a:srgbClr>
+                </a:solidFill>
+              </a:rPr>
+              <a:t>영상 작업</a:t>
+            </a:r>
+            <a:endParaRPr lang="en-US" altLang="ko-KR" sz="2400" b="1" dirty="0">
+              <a:solidFill>
+                <a:srgbClr val="44546A">
+                  <a:lumMod val="75000"/>
+                </a:srgbClr>
+              </a:solidFill>
+            </a:endParaRPr>
           </a:p>
         </p:txBody>
       </p:sp>
       <p:pic>
         <p:nvPicPr>
-          <p:cNvPr id="1026" name="Picture 2"/>
+          <p:cNvPr id="15" name="Picture 2"/>
           <p:cNvPicPr>
             <a:picLocks noChangeAspect="1" noChangeArrowheads="1"/>
           </p:cNvPicPr>
@@ -6795,7 +6972,7 @@
       </p:pic>
       <p:sp>
         <p:nvSpPr>
-          <p:cNvPr id="11" name="액자 10"/>
+          <p:cNvPr id="17" name="액자 16"/>
           <p:cNvSpPr/>
           <p:nvPr/>
         </p:nvSpPr>
@@ -6849,7 +7026,7 @@
       </p:sp>
       <p:sp>
         <p:nvSpPr>
-          <p:cNvPr id="12" name="액자 11"/>
+          <p:cNvPr id="18" name="액자 17"/>
           <p:cNvSpPr/>
           <p:nvPr/>
         </p:nvSpPr>
@@ -6903,7 +7080,7 @@
       </p:sp>
       <p:sp>
         <p:nvSpPr>
-          <p:cNvPr id="13" name="액자 12"/>
+          <p:cNvPr id="19" name="액자 18"/>
           <p:cNvSpPr/>
           <p:nvPr/>
         </p:nvSpPr>
@@ -6955,81 +7132,9 @@
           </a:p>
         </p:txBody>
       </p:sp>
-      <p:sp>
-        <p:nvSpPr>
-          <p:cNvPr id="16" name="직사각형 15">
-            <a:extLst>
-              <a:ext uri="{FF2B5EF4-FFF2-40B4-BE49-F238E27FC236}">
-                <a16:creationId xmlns:a16="http://schemas.microsoft.com/office/drawing/2014/main" xmlns="" id="{3FA00699-5178-465A-9F3F-130CF1431F70}"/>
-              </a:ext>
-            </a:extLst>
-          </p:cNvPr>
-          <p:cNvSpPr/>
-          <p:nvPr/>
-        </p:nvSpPr>
-        <p:spPr>
-          <a:xfrm>
-            <a:off x="589054" y="547161"/>
-            <a:ext cx="4453209" cy="646331"/>
-          </a:xfrm>
-          <a:prstGeom prst="rect">
-            <a:avLst/>
-          </a:prstGeom>
-        </p:spPr>
-        <p:txBody>
-          <a:bodyPr wrap="square" anchor="ctr">
-            <a:spAutoFit/>
-          </a:bodyPr>
-          <a:lstStyle/>
-          <a:p>
-            <a:pPr>
-              <a:lnSpc>
-                <a:spcPct val="150000"/>
-              </a:lnSpc>
-            </a:pPr>
-            <a:r>
-              <a:rPr lang="ko-KR" altLang="en-US" sz="2400" b="1" dirty="0" smtClean="0">
-                <a:solidFill>
-                  <a:srgbClr val="44546A">
-                    <a:lumMod val="75000"/>
-                  </a:srgbClr>
-                </a:solidFill>
-              </a:rPr>
-              <a:t>살인마협회장</a:t>
-            </a:r>
-            <a:r>
-              <a:rPr lang="en-US" altLang="ko-KR" sz="2400" b="1" dirty="0" smtClean="0">
-                <a:solidFill>
-                  <a:srgbClr val="44546A">
-                    <a:lumMod val="75000"/>
-                  </a:srgbClr>
-                </a:solidFill>
-              </a:rPr>
-              <a:t>(DBD) </a:t>
-            </a:r>
-            <a:r>
-              <a:rPr lang="ko-KR" altLang="en-US" sz="2400" b="1" dirty="0" smtClean="0">
-                <a:solidFill>
-                  <a:srgbClr val="44546A">
-                    <a:lumMod val="75000"/>
-                  </a:srgbClr>
-                </a:solidFill>
-              </a:rPr>
-              <a:t>영상 작업</a:t>
-            </a:r>
-            <a:endParaRPr lang="en-US" altLang="ko-KR" sz="2400" b="1" dirty="0">
-              <a:solidFill>
-                <a:srgbClr val="44546A">
-                  <a:lumMod val="75000"/>
-                </a:srgbClr>
-              </a:solidFill>
-            </a:endParaRPr>
-          </a:p>
-        </p:txBody>
-      </p:sp>
       <p:pic>
         <p:nvPicPr>
-          <p:cNvPr id="1027" name="Picture 3"/>
+          <p:cNvPr id="20" name="Picture 3"/>
           <p:cNvPicPr>
             <a:picLocks noChangeAspect="1" noChangeArrowheads="1"/>
           </p:cNvPicPr>
@@ -7279,7 +7384,7 @@
           <p:cNvPr id="14" name="직사각형 13">
             <a:extLst>
               <a:ext uri="{FF2B5EF4-FFF2-40B4-BE49-F238E27FC236}">
-                <a16:creationId xmlns:a16="http://schemas.microsoft.com/office/drawing/2014/main" xmlns="" id="{3FA00699-5178-465A-9F3F-130CF1431F70}"/>
+                <a16:creationId xmlns:a16="http://schemas.microsoft.com/office/drawing/2014/main" id="{3FA00699-5178-465A-9F3F-130CF1431F70}"/>
               </a:ext>
             </a:extLst>
           </p:cNvPr>
@@ -7318,7 +7423,6 @@
               <a:rPr lang="en-US" altLang="ko-KR" sz="1400" b="1" dirty="0"/>
               <a:t>- 1</a:t>
             </a:r>
-            <a:endParaRPr lang="en-US" altLang="ko-KR" sz="1400" b="1" dirty="0"/>
           </a:p>
         </p:txBody>
       </p:sp>
@@ -7327,7 +7431,7 @@
           <p:cNvPr id="15" name="직사각형 14">
             <a:extLst>
               <a:ext uri="{FF2B5EF4-FFF2-40B4-BE49-F238E27FC236}">
-                <a16:creationId xmlns:a16="http://schemas.microsoft.com/office/drawing/2014/main" xmlns="" id="{3FA00699-5178-465A-9F3F-130CF1431F70}"/>
+                <a16:creationId xmlns:a16="http://schemas.microsoft.com/office/drawing/2014/main" id="{3FA00699-5178-465A-9F3F-130CF1431F70}"/>
               </a:ext>
             </a:extLst>
           </p:cNvPr>
@@ -7396,71 +7500,546 @@
       </p:sp>
       <p:pic>
         <p:nvPicPr>
-          <p:cNvPr id="2050" name="Picture 2"/>
+          <p:cNvPr id="10" name="그림 9"/>
           <p:cNvPicPr>
-            <a:picLocks noChangeAspect="1" noChangeArrowheads="1"/>
+            <a:picLocks noChangeAspect="1"/>
           </p:cNvPicPr>
           <p:nvPr/>
         </p:nvPicPr>
         <p:blipFill>
-          <a:blip r:embed="rId2">
-            <a:extLst>
-              <a:ext uri="{28A0092B-C50C-407E-A947-70E740481C1C}">
-                <a14:useLocalDpi xmlns:a14="http://schemas.microsoft.com/office/drawing/2010/main" val="0"/>
-              </a:ext>
-            </a:extLst>
-          </a:blip>
-          <a:srcRect/>
+          <a:blip r:embed="rId2"/>
           <a:stretch>
             <a:fillRect/>
           </a:stretch>
         </p:blipFill>
-        <p:spPr bwMode="auto">
+        <p:spPr>
           <a:xfrm>
-            <a:off x="689768" y="1342751"/>
-            <a:ext cx="2956761" cy="5094045"/>
+            <a:off x="605679" y="1342750"/>
+            <a:ext cx="2982615" cy="5094045"/>
           </a:xfrm>
           <a:prstGeom prst="rect">
             <a:avLst/>
           </a:prstGeom>
-          <a:noFill/>
-          <a:ln>
-            <a:noFill/>
-          </a:ln>
-          <a:effectLst/>
-          <a:extLst>
-            <a:ext uri="{909E8E84-426E-40DD-AFC4-6F175D3DCCD1}">
-              <a14:hiddenFill xmlns:a14="http://schemas.microsoft.com/office/drawing/2010/main">
-                <a:solidFill>
-                  <a:schemeClr val="accent1"/>
-                </a:solidFill>
-              </a14:hiddenFill>
-            </a:ext>
-            <a:ext uri="{91240B29-F687-4F45-9708-019B960494DF}">
-              <a14:hiddenLine xmlns:a14="http://schemas.microsoft.com/office/drawing/2010/main" w="9525">
-                <a:solidFill>
-                  <a:schemeClr val="tx1"/>
-                </a:solidFill>
-                <a:miter lim="800000"/>
-                <a:headEnd/>
-                <a:tailEnd/>
-              </a14:hiddenLine>
-            </a:ext>
-            <a:ext uri="{AF507438-7753-43E0-B8FC-AC1667EBCBE1}">
-              <a14:hiddenEffects xmlns:a14="http://schemas.microsoft.com/office/drawing/2010/main">
-                <a:effectLst>
-                  <a:outerShdw dist="35921" dir="2700000" algn="ctr" rotWithShape="0">
-                    <a:schemeClr val="bg2"/>
-                  </a:outerShdw>
-                </a:effectLst>
-              </a14:hiddenEffects>
-            </a:ext>
-          </a:extLst>
         </p:spPr>
       </p:pic>
+      <p:graphicFrame>
+        <p:nvGraphicFramePr>
+          <p:cNvPr id="11" name="표 10"/>
+          <p:cNvGraphicFramePr>
+            <a:graphicFrameLocks noGrp="1"/>
+          </p:cNvGraphicFramePr>
+          <p:nvPr>
+            <p:extLst>
+              <p:ext uri="{D42A27DB-BD31-4B8C-83A1-F6EECF244321}">
+                <p14:modId xmlns:p14="http://schemas.microsoft.com/office/powerpoint/2010/main" val="2125863154"/>
+              </p:ext>
+            </p:extLst>
+          </p:nvPr>
+        </p:nvGraphicFramePr>
+        <p:xfrm>
+          <a:off x="4376057" y="1499507"/>
+          <a:ext cx="7137216" cy="4608576"/>
+        </p:xfrm>
+        <a:graphic>
+          <a:graphicData uri="http://schemas.openxmlformats.org/drawingml/2006/table">
+            <a:tbl>
+              <a:tblPr firstRow="1" bandRow="1">
+                <a:tableStyleId>{5940675A-B579-460E-94D1-54222C63F5DA}</a:tableStyleId>
+              </a:tblPr>
+              <a:tblGrid>
+                <a:gridCol w="1784304">
+                  <a:extLst>
+                    <a:ext uri="{9D8B030D-6E8A-4147-A177-3AD203B41FA5}">
+                      <a16:colId xmlns:a16="http://schemas.microsoft.com/office/drawing/2014/main" val="20000"/>
+                    </a:ext>
+                  </a:extLst>
+                </a:gridCol>
+                <a:gridCol w="1784304">
+                  <a:extLst>
+                    <a:ext uri="{9D8B030D-6E8A-4147-A177-3AD203B41FA5}">
+                      <a16:colId xmlns:a16="http://schemas.microsoft.com/office/drawing/2014/main" val="20001"/>
+                    </a:ext>
+                  </a:extLst>
+                </a:gridCol>
+                <a:gridCol w="1784304">
+                  <a:extLst>
+                    <a:ext uri="{9D8B030D-6E8A-4147-A177-3AD203B41FA5}">
+                      <a16:colId xmlns:a16="http://schemas.microsoft.com/office/drawing/2014/main" val="20002"/>
+                    </a:ext>
+                  </a:extLst>
+                </a:gridCol>
+                <a:gridCol w="1784304">
+                  <a:extLst>
+                    <a:ext uri="{9D8B030D-6E8A-4147-A177-3AD203B41FA5}">
+                      <a16:colId xmlns:a16="http://schemas.microsoft.com/office/drawing/2014/main" val="20003"/>
+                    </a:ext>
+                  </a:extLst>
+                </a:gridCol>
+              </a:tblGrid>
+              <a:tr h="768096">
+                <a:tc>
+                  <a:txBody>
+                    <a:bodyPr/>
+                    <a:lstStyle/>
+                    <a:p>
+                      <a:pPr algn="ctr" latinLnBrk="1"/>
+                      <a:r>
+                        <a:rPr lang="ko-KR" altLang="en-US" dirty="0" smtClean="0"/>
+                        <a:t>카테고리</a:t>
+                      </a:r>
+                      <a:endParaRPr lang="ko-KR" altLang="en-US" dirty="0"/>
+                    </a:p>
+                  </a:txBody>
+                  <a:tcPr anchor="ctr">
+                    <a:solidFill>
+                      <a:schemeClr val="bg1">
+                        <a:lumMod val="85000"/>
+                      </a:schemeClr>
+                    </a:solidFill>
+                  </a:tcPr>
+                </a:tc>
+                <a:tc>
+                  <a:txBody>
+                    <a:bodyPr/>
+                    <a:lstStyle/>
+                    <a:p>
+                      <a:pPr algn="ctr" latinLnBrk="1"/>
+                      <a:r>
+                        <a:rPr lang="en-US" altLang="ko-KR" dirty="0" smtClean="0"/>
+                        <a:t>S</a:t>
+                      </a:r>
+                      <a:endParaRPr lang="ko-KR" altLang="en-US" dirty="0"/>
+                    </a:p>
+                  </a:txBody>
+                  <a:tcPr anchor="ctr"/>
+                </a:tc>
+                <a:tc>
+                  <a:txBody>
+                    <a:bodyPr/>
+                    <a:lstStyle/>
+                    <a:p>
+                      <a:pPr algn="ctr" latinLnBrk="1"/>
+                      <a:r>
+                        <a:rPr lang="en-US" altLang="ko-KR" dirty="0" smtClean="0"/>
+                        <a:t>E</a:t>
+                      </a:r>
+                      <a:endParaRPr lang="ko-KR" altLang="en-US" dirty="0"/>
+                    </a:p>
+                  </a:txBody>
+                  <a:tcPr anchor="ctr"/>
+                </a:tc>
+                <a:tc>
+                  <a:txBody>
+                    <a:bodyPr/>
+                    <a:lstStyle/>
+                    <a:p>
+                      <a:pPr algn="ctr" latinLnBrk="1"/>
+                      <a:r>
+                        <a:rPr lang="en-US" altLang="ko-KR" dirty="0" smtClean="0"/>
+                        <a:t>C</a:t>
+                      </a:r>
+                      <a:endParaRPr lang="ko-KR" altLang="en-US" dirty="0"/>
+                    </a:p>
+                  </a:txBody>
+                  <a:tcPr anchor="ctr"/>
+                </a:tc>
+                <a:extLst>
+                  <a:ext uri="{0D108BD9-81ED-4DB2-BD59-A6C34878D82A}">
+                    <a16:rowId xmlns:a16="http://schemas.microsoft.com/office/drawing/2014/main" val="10000"/>
+                  </a:ext>
+                </a:extLst>
+              </a:tr>
+              <a:tr h="768096">
+                <a:tc>
+                  <a:txBody>
+                    <a:bodyPr/>
+                    <a:lstStyle/>
+                    <a:p>
+                      <a:pPr algn="ctr" latinLnBrk="1"/>
+                      <a:r>
+                        <a:rPr lang="ko-KR" altLang="en-US" dirty="0" smtClean="0"/>
+                        <a:t>총계</a:t>
+                      </a:r>
+                      <a:endParaRPr lang="ko-KR" altLang="en-US" dirty="0"/>
+                    </a:p>
+                  </a:txBody>
+                  <a:tcPr anchor="ctr">
+                    <a:solidFill>
+                      <a:schemeClr val="bg1">
+                        <a:lumMod val="85000"/>
+                      </a:schemeClr>
+                    </a:solidFill>
+                  </a:tcPr>
+                </a:tc>
+                <a:tc>
+                  <a:txBody>
+                    <a:bodyPr/>
+                    <a:lstStyle/>
+                    <a:p>
+                      <a:pPr algn="ctr" latinLnBrk="1"/>
+                      <a:r>
+                        <a:rPr lang="en-US" altLang="ko-KR" dirty="0" smtClean="0"/>
+                        <a:t>8</a:t>
+                      </a:r>
+                      <a:endParaRPr lang="ko-KR" altLang="en-US" dirty="0"/>
+                    </a:p>
+                  </a:txBody>
+                  <a:tcPr anchor="ctr"/>
+                </a:tc>
+                <a:tc>
+                  <a:txBody>
+                    <a:bodyPr/>
+                    <a:lstStyle/>
+                    <a:p>
+                      <a:pPr algn="ctr" latinLnBrk="1"/>
+                      <a:r>
+                        <a:rPr lang="en-US" altLang="ko-KR" dirty="0" smtClean="0"/>
+                        <a:t>10</a:t>
+                      </a:r>
+                      <a:endParaRPr lang="ko-KR" altLang="en-US" dirty="0"/>
+                    </a:p>
+                  </a:txBody>
+                  <a:tcPr anchor="ctr"/>
+                </a:tc>
+                <a:tc>
+                  <a:txBody>
+                    <a:bodyPr/>
+                    <a:lstStyle/>
+                    <a:p>
+                      <a:pPr algn="ctr" latinLnBrk="1"/>
+                      <a:r>
+                        <a:rPr lang="en-US" altLang="ko-KR" dirty="0" smtClean="0"/>
+                        <a:t>18</a:t>
+                      </a:r>
+                      <a:endParaRPr lang="ko-KR" altLang="en-US" dirty="0"/>
+                    </a:p>
+                  </a:txBody>
+                  <a:tcPr anchor="ctr"/>
+                </a:tc>
+                <a:extLst>
+                  <a:ext uri="{0D108BD9-81ED-4DB2-BD59-A6C34878D82A}">
+                    <a16:rowId xmlns:a16="http://schemas.microsoft.com/office/drawing/2014/main" val="10001"/>
+                  </a:ext>
+                </a:extLst>
+              </a:tr>
+              <a:tr h="768096">
+                <a:tc>
+                  <a:txBody>
+                    <a:bodyPr/>
+                    <a:lstStyle/>
+                    <a:p>
+                      <a:pPr algn="ctr" latinLnBrk="1"/>
+                      <a:r>
+                        <a:rPr lang="ko-KR" altLang="en-US" dirty="0" smtClean="0"/>
+                        <a:t>영상 </a:t>
+                      </a:r>
+                      <a:r>
+                        <a:rPr lang="ko-KR" altLang="en-US" dirty="0" err="1" smtClean="0"/>
+                        <a:t>지분율</a:t>
+                      </a:r>
+                      <a:endParaRPr lang="ko-KR" altLang="en-US" dirty="0"/>
+                    </a:p>
+                  </a:txBody>
+                  <a:tcPr anchor="ctr">
+                    <a:solidFill>
+                      <a:schemeClr val="bg1">
+                        <a:lumMod val="85000"/>
+                      </a:schemeClr>
+                    </a:solidFill>
+                  </a:tcPr>
+                </a:tc>
+                <a:tc>
+                  <a:txBody>
+                    <a:bodyPr/>
+                    <a:lstStyle/>
+                    <a:p>
+                      <a:pPr algn="ctr" latinLnBrk="1"/>
+                      <a:r>
+                        <a:rPr lang="en-US" altLang="ko-KR" dirty="0" smtClean="0"/>
+                        <a:t>22.22 </a:t>
+                      </a:r>
+                      <a:r>
+                        <a:rPr lang="en-US" altLang="ko-KR" dirty="0" smtClean="0"/>
+                        <a:t>%</a:t>
+                      </a:r>
+                      <a:endParaRPr lang="ko-KR" altLang="en-US" dirty="0"/>
+                    </a:p>
+                  </a:txBody>
+                  <a:tcPr anchor="ctr"/>
+                </a:tc>
+                <a:tc>
+                  <a:txBody>
+                    <a:bodyPr/>
+                    <a:lstStyle/>
+                    <a:p>
+                      <a:pPr algn="ctr" latinLnBrk="1"/>
+                      <a:r>
+                        <a:rPr lang="en-US" altLang="ko-KR" dirty="0" smtClean="0"/>
+                        <a:t>27.77</a:t>
+                      </a:r>
+                      <a:r>
+                        <a:rPr lang="en-US" altLang="ko-KR" baseline="0" dirty="0" smtClean="0"/>
+                        <a:t> </a:t>
+                      </a:r>
+                      <a:r>
+                        <a:rPr lang="en-US" altLang="ko-KR" baseline="0" dirty="0" smtClean="0"/>
+                        <a:t>%</a:t>
+                      </a:r>
+                      <a:endParaRPr lang="ko-KR" altLang="en-US" dirty="0"/>
+                    </a:p>
+                  </a:txBody>
+                  <a:tcPr anchor="ctr"/>
+                </a:tc>
+                <a:tc>
+                  <a:txBody>
+                    <a:bodyPr/>
+                    <a:lstStyle/>
+                    <a:p>
+                      <a:pPr algn="ctr" latinLnBrk="1"/>
+                      <a:r>
+                        <a:rPr lang="en-US" altLang="ko-KR" dirty="0" smtClean="0"/>
+                        <a:t>50 </a:t>
+                      </a:r>
+                      <a:r>
+                        <a:rPr lang="en-US" altLang="ko-KR" dirty="0" smtClean="0"/>
+                        <a:t>%</a:t>
+                      </a:r>
+                    </a:p>
+                  </a:txBody>
+                  <a:tcPr anchor="ctr"/>
+                </a:tc>
+                <a:extLst>
+                  <a:ext uri="{0D108BD9-81ED-4DB2-BD59-A6C34878D82A}">
+                    <a16:rowId xmlns:a16="http://schemas.microsoft.com/office/drawing/2014/main" val="10002"/>
+                  </a:ext>
+                </a:extLst>
+              </a:tr>
+              <a:tr h="768096">
+                <a:tc>
+                  <a:txBody>
+                    <a:bodyPr/>
+                    <a:lstStyle/>
+                    <a:p>
+                      <a:pPr algn="ctr" latinLnBrk="1"/>
+                      <a:r>
+                        <a:rPr lang="ko-KR" altLang="en-US" dirty="0" smtClean="0"/>
+                        <a:t>최고 조회수</a:t>
+                      </a:r>
+                      <a:endParaRPr lang="ko-KR" altLang="en-US" dirty="0"/>
+                    </a:p>
+                  </a:txBody>
+                  <a:tcPr anchor="ctr">
+                    <a:solidFill>
+                      <a:schemeClr val="bg1">
+                        <a:lumMod val="85000"/>
+                      </a:schemeClr>
+                    </a:solidFill>
+                  </a:tcPr>
+                </a:tc>
+                <a:tc>
+                  <a:txBody>
+                    <a:bodyPr/>
+                    <a:lstStyle/>
+                    <a:p>
+                      <a:pPr algn="ctr" latinLnBrk="1"/>
+                      <a:r>
+                        <a:rPr lang="en-US" altLang="ko-KR" dirty="0" smtClean="0"/>
+                        <a:t>101,702</a:t>
+                      </a:r>
+                      <a:endParaRPr lang="ko-KR" altLang="en-US" dirty="0"/>
+                    </a:p>
+                  </a:txBody>
+                  <a:tcPr anchor="ctr"/>
+                </a:tc>
+                <a:tc>
+                  <a:txBody>
+                    <a:bodyPr/>
+                    <a:lstStyle/>
+                    <a:p>
+                      <a:pPr algn="ctr" latinLnBrk="1"/>
+                      <a:r>
+                        <a:rPr lang="en-US" altLang="ko-KR" dirty="0" smtClean="0"/>
+                        <a:t>119,536</a:t>
+                      </a:r>
+                      <a:endParaRPr lang="ko-KR" altLang="en-US" dirty="0"/>
+                    </a:p>
+                  </a:txBody>
+                  <a:tcPr anchor="ctr"/>
+                </a:tc>
+                <a:tc>
+                  <a:txBody>
+                    <a:bodyPr/>
+                    <a:lstStyle/>
+                    <a:p>
+                      <a:pPr algn="ctr" latinLnBrk="1"/>
+                      <a:r>
+                        <a:rPr lang="en-US" altLang="ko-KR" dirty="0" smtClean="0"/>
+                        <a:t>153,018</a:t>
+                      </a:r>
+                      <a:endParaRPr lang="ko-KR" altLang="en-US" dirty="0"/>
+                    </a:p>
+                  </a:txBody>
+                  <a:tcPr anchor="ctr"/>
+                </a:tc>
+                <a:extLst>
+                  <a:ext uri="{0D108BD9-81ED-4DB2-BD59-A6C34878D82A}">
+                    <a16:rowId xmlns:a16="http://schemas.microsoft.com/office/drawing/2014/main" val="10003"/>
+                  </a:ext>
+                </a:extLst>
+              </a:tr>
+              <a:tr h="768096">
+                <a:tc>
+                  <a:txBody>
+                    <a:bodyPr/>
+                    <a:lstStyle/>
+                    <a:p>
+                      <a:pPr algn="ctr" latinLnBrk="1"/>
+                      <a:r>
+                        <a:rPr lang="ko-KR" altLang="en-US" dirty="0" smtClean="0"/>
+                        <a:t>평균 조회수</a:t>
+                      </a:r>
+                      <a:endParaRPr lang="ko-KR" altLang="en-US" dirty="0"/>
+                    </a:p>
+                  </a:txBody>
+                  <a:tcPr anchor="ctr">
+                    <a:solidFill>
+                      <a:schemeClr val="bg1">
+                        <a:lumMod val="85000"/>
+                      </a:schemeClr>
+                    </a:solidFill>
+                  </a:tcPr>
+                </a:tc>
+                <a:tc>
+                  <a:txBody>
+                    <a:bodyPr/>
+                    <a:lstStyle/>
+                    <a:p>
+                      <a:pPr algn="ctr" latinLnBrk="1"/>
+                      <a:r>
+                        <a:rPr lang="en-US" altLang="ko-KR" dirty="0" smtClean="0"/>
+                        <a:t>79,563</a:t>
+                      </a:r>
+                      <a:endParaRPr lang="ko-KR" altLang="en-US" dirty="0"/>
+                    </a:p>
+                  </a:txBody>
+                  <a:tcPr anchor="ctr"/>
+                </a:tc>
+                <a:tc>
+                  <a:txBody>
+                    <a:bodyPr/>
+                    <a:lstStyle/>
+                    <a:p>
+                      <a:pPr algn="ctr" latinLnBrk="1"/>
+                      <a:r>
+                        <a:rPr lang="en-US" altLang="ko-KR" dirty="0" smtClean="0"/>
+                        <a:t>76,647</a:t>
+                      </a:r>
+                      <a:endParaRPr lang="ko-KR" altLang="en-US" dirty="0"/>
+                    </a:p>
+                  </a:txBody>
+                  <a:tcPr anchor="ctr"/>
+                </a:tc>
+                <a:tc>
+                  <a:txBody>
+                    <a:bodyPr/>
+                    <a:lstStyle/>
+                    <a:p>
+                      <a:pPr algn="ctr" latinLnBrk="1"/>
+                      <a:r>
+                        <a:rPr lang="en-US" altLang="ko-KR" dirty="0" smtClean="0"/>
+                        <a:t>89,423</a:t>
+                      </a:r>
+                      <a:endParaRPr lang="ko-KR" altLang="en-US" dirty="0"/>
+                    </a:p>
+                  </a:txBody>
+                  <a:tcPr anchor="ctr"/>
+                </a:tc>
+                <a:extLst>
+                  <a:ext uri="{0D108BD9-81ED-4DB2-BD59-A6C34878D82A}">
+                    <a16:rowId xmlns:a16="http://schemas.microsoft.com/office/drawing/2014/main" val="10004"/>
+                  </a:ext>
+                </a:extLst>
+              </a:tr>
+              <a:tr h="768096">
+                <a:tc>
+                  <a:txBody>
+                    <a:bodyPr/>
+                    <a:lstStyle/>
+                    <a:p>
+                      <a:pPr algn="ctr" latinLnBrk="1"/>
+                      <a:r>
+                        <a:rPr lang="ko-KR" altLang="en-US" dirty="0" smtClean="0"/>
+                        <a:t>총 조회수</a:t>
+                      </a:r>
+                      <a:endParaRPr lang="ko-KR" altLang="en-US" dirty="0"/>
+                    </a:p>
+                  </a:txBody>
+                  <a:tcPr anchor="ctr">
+                    <a:solidFill>
+                      <a:schemeClr val="bg1">
+                        <a:lumMod val="85000"/>
+                      </a:schemeClr>
+                    </a:solidFill>
+                  </a:tcPr>
+                </a:tc>
+                <a:tc>
+                  <a:txBody>
+                    <a:bodyPr/>
+                    <a:lstStyle/>
+                    <a:p>
+                      <a:pPr algn="ctr" latinLnBrk="1"/>
+                      <a:r>
+                        <a:rPr lang="en-US" altLang="ko-KR" dirty="0" smtClean="0"/>
+                        <a:t>636,504</a:t>
+                      </a:r>
+                      <a:endParaRPr lang="ko-KR" altLang="en-US" dirty="0"/>
+                    </a:p>
+                  </a:txBody>
+                  <a:tcPr anchor="ctr"/>
+                </a:tc>
+                <a:tc>
+                  <a:txBody>
+                    <a:bodyPr/>
+                    <a:lstStyle/>
+                    <a:p>
+                      <a:pPr algn="ctr" latinLnBrk="1"/>
+                      <a:r>
+                        <a:rPr lang="en-US" altLang="ko-KR" dirty="0" smtClean="0"/>
+                        <a:t>766,470</a:t>
+                      </a:r>
+                      <a:endParaRPr lang="ko-KR" altLang="en-US" dirty="0"/>
+                    </a:p>
+                  </a:txBody>
+                  <a:tcPr anchor="ctr"/>
+                </a:tc>
+                <a:tc>
+                  <a:txBody>
+                    <a:bodyPr/>
+                    <a:lstStyle/>
+                    <a:p>
+                      <a:pPr algn="ctr" latinLnBrk="1"/>
+                      <a:r>
+                        <a:rPr lang="en-US" altLang="ko-KR" dirty="0" smtClean="0"/>
+                        <a:t>1,609,614</a:t>
+                      </a:r>
+                      <a:endParaRPr lang="ko-KR" altLang="en-US" dirty="0"/>
+                    </a:p>
+                  </a:txBody>
+                  <a:tcPr anchor="ctr"/>
+                </a:tc>
+                <a:extLst>
+                  <a:ext uri="{0D108BD9-81ED-4DB2-BD59-A6C34878D82A}">
+                    <a16:rowId xmlns:a16="http://schemas.microsoft.com/office/drawing/2014/main" val="10005"/>
+                  </a:ext>
+                </a:extLst>
+              </a:tr>
+            </a:tbl>
+          </a:graphicData>
+        </a:graphic>
+      </p:graphicFrame>
       <p:sp>
         <p:nvSpPr>
-          <p:cNvPr id="16" name="액자 15"/>
+          <p:cNvPr id="12" name="액자 11"/>
           <p:cNvSpPr/>
           <p:nvPr/>
         </p:nvSpPr>
@@ -7512,455 +8091,114 @@
           </a:p>
         </p:txBody>
       </p:sp>
-      <p:graphicFrame>
-        <p:nvGraphicFramePr>
-          <p:cNvPr id="2" name="표 1"/>
-          <p:cNvGraphicFramePr>
-            <a:graphicFrameLocks noGrp="1"/>
-          </p:cNvGraphicFramePr>
-          <p:nvPr>
-            <p:extLst>
-              <p:ext uri="{D42A27DB-BD31-4B8C-83A1-F6EECF244321}">
-                <p14:modId xmlns:p14="http://schemas.microsoft.com/office/powerpoint/2010/main" val="997760076"/>
-              </p:ext>
-            </p:extLst>
-          </p:nvPr>
-        </p:nvGraphicFramePr>
-        <p:xfrm>
-          <a:off x="4376057" y="1499507"/>
-          <a:ext cx="7137216" cy="4608576"/>
-        </p:xfrm>
-        <a:graphic>
-          <a:graphicData uri="http://schemas.openxmlformats.org/drawingml/2006/table">
-            <a:tbl>
-              <a:tblPr firstRow="1" bandRow="1">
-                <a:tableStyleId>{5940675A-B579-460E-94D1-54222C63F5DA}</a:tableStyleId>
-              </a:tblPr>
-              <a:tblGrid>
-                <a:gridCol w="1784304"/>
-                <a:gridCol w="1784304"/>
-                <a:gridCol w="1784304"/>
-                <a:gridCol w="1784304"/>
-              </a:tblGrid>
-              <a:tr h="768096">
-                <a:tc>
-                  <a:txBody>
-                    <a:bodyPr/>
-                    <a:lstStyle/>
-                    <a:p>
-                      <a:pPr algn="ctr" latinLnBrk="1"/>
-                      <a:r>
-                        <a:rPr lang="ko-KR" altLang="en-US" dirty="0" smtClean="0"/>
-                        <a:t>카테고리</a:t>
-                      </a:r>
-                      <a:endParaRPr lang="ko-KR" altLang="en-US" dirty="0"/>
-                    </a:p>
-                  </a:txBody>
-                  <a:tcPr anchor="ctr">
-                    <a:solidFill>
-                      <a:schemeClr val="bg1">
-                        <a:lumMod val="85000"/>
-                      </a:schemeClr>
-                    </a:solidFill>
-                  </a:tcPr>
-                </a:tc>
-                <a:tc>
-                  <a:txBody>
-                    <a:bodyPr/>
-                    <a:lstStyle/>
-                    <a:p>
-                      <a:pPr algn="ctr" latinLnBrk="1"/>
-                      <a:r>
-                        <a:rPr lang="en-US" altLang="ko-KR" dirty="0" smtClean="0"/>
-                        <a:t>S</a:t>
-                      </a:r>
-                      <a:endParaRPr lang="ko-KR" altLang="en-US" dirty="0"/>
-                    </a:p>
-                  </a:txBody>
-                  <a:tcPr anchor="ctr"/>
-                </a:tc>
-                <a:tc>
-                  <a:txBody>
-                    <a:bodyPr/>
-                    <a:lstStyle/>
-                    <a:p>
-                      <a:pPr algn="ctr" latinLnBrk="1"/>
-                      <a:r>
-                        <a:rPr lang="en-US" altLang="ko-KR" dirty="0" smtClean="0"/>
-                        <a:t>E</a:t>
-                      </a:r>
-                      <a:endParaRPr lang="ko-KR" altLang="en-US" dirty="0"/>
-                    </a:p>
-                  </a:txBody>
-                  <a:tcPr anchor="ctr"/>
-                </a:tc>
-                <a:tc>
-                  <a:txBody>
-                    <a:bodyPr/>
-                    <a:lstStyle/>
-                    <a:p>
-                      <a:pPr algn="ctr" latinLnBrk="1"/>
-                      <a:r>
-                        <a:rPr lang="en-US" altLang="ko-KR" dirty="0" smtClean="0"/>
-                        <a:t>C</a:t>
-                      </a:r>
-                      <a:endParaRPr lang="ko-KR" altLang="en-US" dirty="0"/>
-                    </a:p>
-                  </a:txBody>
-                  <a:tcPr anchor="ctr"/>
-                </a:tc>
-              </a:tr>
-              <a:tr h="768096">
-                <a:tc>
-                  <a:txBody>
-                    <a:bodyPr/>
-                    <a:lstStyle/>
-                    <a:p>
-                      <a:pPr algn="ctr" latinLnBrk="1"/>
-                      <a:r>
-                        <a:rPr lang="ko-KR" altLang="en-US" dirty="0" smtClean="0"/>
-                        <a:t>총계</a:t>
-                      </a:r>
-                      <a:endParaRPr lang="ko-KR" altLang="en-US" dirty="0"/>
-                    </a:p>
-                  </a:txBody>
-                  <a:tcPr anchor="ctr">
-                    <a:solidFill>
-                      <a:schemeClr val="bg1">
-                        <a:lumMod val="85000"/>
-                      </a:schemeClr>
-                    </a:solidFill>
-                  </a:tcPr>
-                </a:tc>
-                <a:tc>
-                  <a:txBody>
-                    <a:bodyPr/>
-                    <a:lstStyle/>
-                    <a:p>
-                      <a:pPr algn="ctr" latinLnBrk="1"/>
-                      <a:r>
-                        <a:rPr lang="en-US" altLang="ko-KR" dirty="0" smtClean="0"/>
-                        <a:t>9</a:t>
-                      </a:r>
-                      <a:endParaRPr lang="ko-KR" altLang="en-US" dirty="0"/>
-                    </a:p>
-                  </a:txBody>
-                  <a:tcPr anchor="ctr"/>
-                </a:tc>
-                <a:tc>
-                  <a:txBody>
-                    <a:bodyPr/>
-                    <a:lstStyle/>
-                    <a:p>
-                      <a:pPr algn="ctr" latinLnBrk="1"/>
-                      <a:r>
-                        <a:rPr lang="en-US" altLang="ko-KR" dirty="0" smtClean="0"/>
-                        <a:t>11</a:t>
-                      </a:r>
-                      <a:endParaRPr lang="ko-KR" altLang="en-US" dirty="0"/>
-                    </a:p>
-                  </a:txBody>
-                  <a:tcPr anchor="ctr"/>
-                </a:tc>
-                <a:tc>
-                  <a:txBody>
-                    <a:bodyPr/>
-                    <a:lstStyle/>
-                    <a:p>
-                      <a:pPr algn="ctr" latinLnBrk="1"/>
-                      <a:r>
-                        <a:rPr lang="en-US" altLang="ko-KR" dirty="0" smtClean="0"/>
-                        <a:t>17</a:t>
-                      </a:r>
-                      <a:endParaRPr lang="ko-KR" altLang="en-US" dirty="0"/>
-                    </a:p>
-                  </a:txBody>
-                  <a:tcPr anchor="ctr"/>
-                </a:tc>
-              </a:tr>
-              <a:tr h="768096">
-                <a:tc>
-                  <a:txBody>
-                    <a:bodyPr/>
-                    <a:lstStyle/>
-                    <a:p>
-                      <a:pPr algn="ctr" latinLnBrk="1"/>
-                      <a:r>
-                        <a:rPr lang="ko-KR" altLang="en-US" dirty="0" smtClean="0"/>
-                        <a:t>영상 </a:t>
-                      </a:r>
-                      <a:r>
-                        <a:rPr lang="ko-KR" altLang="en-US" dirty="0" err="1" smtClean="0"/>
-                        <a:t>지분율</a:t>
-                      </a:r>
-                      <a:endParaRPr lang="ko-KR" altLang="en-US" dirty="0"/>
-                    </a:p>
-                  </a:txBody>
-                  <a:tcPr anchor="ctr">
-                    <a:solidFill>
-                      <a:schemeClr val="bg1">
-                        <a:lumMod val="85000"/>
-                      </a:schemeClr>
-                    </a:solidFill>
-                  </a:tcPr>
-                </a:tc>
-                <a:tc>
-                  <a:txBody>
-                    <a:bodyPr/>
-                    <a:lstStyle/>
-                    <a:p>
-                      <a:pPr algn="ctr" latinLnBrk="1"/>
-                      <a:r>
-                        <a:rPr lang="en-US" altLang="ko-KR" dirty="0" smtClean="0"/>
-                        <a:t>24.32 %</a:t>
-                      </a:r>
-                      <a:endParaRPr lang="ko-KR" altLang="en-US" dirty="0"/>
-                    </a:p>
-                  </a:txBody>
-                  <a:tcPr anchor="ctr"/>
-                </a:tc>
-                <a:tc>
-                  <a:txBody>
-                    <a:bodyPr/>
-                    <a:lstStyle/>
-                    <a:p>
-                      <a:pPr algn="ctr" latinLnBrk="1"/>
-                      <a:r>
-                        <a:rPr lang="en-US" altLang="ko-KR" dirty="0" smtClean="0"/>
-                        <a:t>29.72</a:t>
-                      </a:r>
-                      <a:r>
-                        <a:rPr lang="en-US" altLang="ko-KR" baseline="0" dirty="0" smtClean="0"/>
-                        <a:t> %</a:t>
-                      </a:r>
-                      <a:endParaRPr lang="ko-KR" altLang="en-US" dirty="0"/>
-                    </a:p>
-                  </a:txBody>
-                  <a:tcPr anchor="ctr"/>
-                </a:tc>
-                <a:tc>
-                  <a:txBody>
-                    <a:bodyPr/>
-                    <a:lstStyle/>
-                    <a:p>
-                      <a:pPr algn="ctr" latinLnBrk="1"/>
-                      <a:r>
-                        <a:rPr lang="en-US" altLang="ko-KR" dirty="0" smtClean="0"/>
-                        <a:t>45.94 %</a:t>
-                      </a:r>
-                    </a:p>
-                  </a:txBody>
-                  <a:tcPr anchor="ctr"/>
-                </a:tc>
-              </a:tr>
-              <a:tr h="768096">
-                <a:tc>
-                  <a:txBody>
-                    <a:bodyPr/>
-                    <a:lstStyle/>
-                    <a:p>
-                      <a:pPr algn="ctr" latinLnBrk="1"/>
-                      <a:r>
-                        <a:rPr lang="ko-KR" altLang="en-US" dirty="0" smtClean="0"/>
-                        <a:t>최고 조회수</a:t>
-                      </a:r>
-                      <a:endParaRPr lang="ko-KR" altLang="en-US" dirty="0"/>
-                    </a:p>
-                  </a:txBody>
-                  <a:tcPr anchor="ctr">
-                    <a:solidFill>
-                      <a:schemeClr val="bg1">
-                        <a:lumMod val="85000"/>
-                      </a:schemeClr>
-                    </a:solidFill>
-                  </a:tcPr>
-                </a:tc>
-                <a:tc>
-                  <a:txBody>
-                    <a:bodyPr/>
-                    <a:lstStyle/>
-                    <a:p>
-                      <a:pPr algn="ctr" latinLnBrk="1"/>
-                      <a:r>
-                        <a:rPr lang="en-US" altLang="ko-KR" dirty="0" smtClean="0"/>
-                        <a:t>102,155</a:t>
-                      </a:r>
-                      <a:endParaRPr lang="ko-KR" altLang="en-US" dirty="0"/>
-                    </a:p>
-                  </a:txBody>
-                  <a:tcPr anchor="ctr"/>
-                </a:tc>
-                <a:tc>
-                  <a:txBody>
-                    <a:bodyPr/>
-                    <a:lstStyle/>
-                    <a:p>
-                      <a:pPr algn="ctr" latinLnBrk="1"/>
-                      <a:r>
-                        <a:rPr lang="en-US" altLang="ko-KR" dirty="0" smtClean="0"/>
-                        <a:t>119,536</a:t>
-                      </a:r>
-                      <a:endParaRPr lang="ko-KR" altLang="en-US" dirty="0"/>
-                    </a:p>
-                  </a:txBody>
-                  <a:tcPr anchor="ctr"/>
-                </a:tc>
-                <a:tc>
-                  <a:txBody>
-                    <a:bodyPr/>
-                    <a:lstStyle/>
-                    <a:p>
-                      <a:pPr algn="ctr" latinLnBrk="1"/>
-                      <a:r>
-                        <a:rPr lang="en-US" altLang="ko-KR" dirty="0" smtClean="0"/>
-                        <a:t>153,018</a:t>
-                      </a:r>
-                      <a:endParaRPr lang="ko-KR" altLang="en-US" dirty="0"/>
-                    </a:p>
-                  </a:txBody>
-                  <a:tcPr anchor="ctr"/>
-                </a:tc>
-              </a:tr>
-              <a:tr h="768096">
-                <a:tc>
-                  <a:txBody>
-                    <a:bodyPr/>
-                    <a:lstStyle/>
-                    <a:p>
-                      <a:pPr algn="ctr" latinLnBrk="1"/>
-                      <a:r>
-                        <a:rPr lang="ko-KR" altLang="en-US" dirty="0" smtClean="0"/>
-                        <a:t>최저 조회수</a:t>
-                      </a:r>
-                      <a:endParaRPr lang="ko-KR" altLang="en-US" dirty="0"/>
-                    </a:p>
-                  </a:txBody>
-                  <a:tcPr anchor="ctr">
-                    <a:solidFill>
-                      <a:schemeClr val="bg1">
-                        <a:lumMod val="85000"/>
-                      </a:schemeClr>
-                    </a:solidFill>
-                  </a:tcPr>
-                </a:tc>
-                <a:tc>
-                  <a:txBody>
-                    <a:bodyPr/>
-                    <a:lstStyle/>
-                    <a:p>
-                      <a:pPr algn="ctr" latinLnBrk="1"/>
-                      <a:r>
-                        <a:rPr lang="en-US" altLang="ko-KR" dirty="0" smtClean="0"/>
-                        <a:t>58,052</a:t>
-                      </a:r>
-                      <a:endParaRPr lang="ko-KR" altLang="en-US" dirty="0"/>
-                    </a:p>
-                  </a:txBody>
-                  <a:tcPr anchor="ctr"/>
-                </a:tc>
-                <a:tc>
-                  <a:txBody>
-                    <a:bodyPr/>
-                    <a:lstStyle/>
-                    <a:p>
-                      <a:pPr algn="ctr" latinLnBrk="1"/>
-                      <a:r>
-                        <a:rPr lang="en-US" altLang="ko-KR" dirty="0" smtClean="0"/>
-                        <a:t>46,313</a:t>
-                      </a:r>
-                      <a:endParaRPr lang="ko-KR" altLang="en-US" dirty="0"/>
-                    </a:p>
-                  </a:txBody>
-                  <a:tcPr anchor="ctr"/>
-                </a:tc>
-                <a:tc>
-                  <a:txBody>
-                    <a:bodyPr/>
-                    <a:lstStyle/>
-                    <a:p>
-                      <a:pPr algn="ctr" latinLnBrk="1"/>
-                      <a:r>
-                        <a:rPr lang="en-US" altLang="ko-KR" dirty="0" smtClean="0"/>
-                        <a:t>58,052</a:t>
-                      </a:r>
-                      <a:endParaRPr lang="ko-KR" altLang="en-US" dirty="0"/>
-                    </a:p>
-                  </a:txBody>
-                  <a:tcPr anchor="ctr"/>
-                </a:tc>
-              </a:tr>
-              <a:tr h="768096">
-                <a:tc>
-                  <a:txBody>
-                    <a:bodyPr/>
-                    <a:lstStyle/>
-                    <a:p>
-                      <a:pPr algn="ctr" latinLnBrk="1"/>
-                      <a:r>
-                        <a:rPr lang="ko-KR" altLang="en-US" dirty="0" smtClean="0"/>
-                        <a:t>평균 조회수</a:t>
-                      </a:r>
-                      <a:endParaRPr lang="ko-KR" altLang="en-US" dirty="0"/>
-                    </a:p>
-                  </a:txBody>
-                  <a:tcPr anchor="ctr">
-                    <a:solidFill>
-                      <a:schemeClr val="bg1">
-                        <a:lumMod val="85000"/>
-                      </a:schemeClr>
-                    </a:solidFill>
-                  </a:tcPr>
-                </a:tc>
-                <a:tc>
-                  <a:txBody>
-                    <a:bodyPr/>
-                    <a:lstStyle/>
-                    <a:p>
-                      <a:pPr algn="ctr" latinLnBrk="1"/>
-                      <a:r>
-                        <a:rPr lang="en-US" altLang="ko-KR" dirty="0" smtClean="0"/>
-                        <a:t>83,362</a:t>
-                      </a:r>
-                      <a:endParaRPr lang="ko-KR" altLang="en-US" dirty="0"/>
-                    </a:p>
-                  </a:txBody>
-                  <a:tcPr anchor="ctr"/>
-                </a:tc>
-                <a:tc>
-                  <a:txBody>
-                    <a:bodyPr/>
-                    <a:lstStyle/>
-                    <a:p>
-                      <a:pPr algn="ctr" latinLnBrk="1"/>
-                      <a:r>
-                        <a:rPr lang="en-US" altLang="ko-KR" dirty="0" smtClean="0"/>
-                        <a:t>78,966</a:t>
-                      </a:r>
-                      <a:endParaRPr lang="ko-KR" altLang="en-US" dirty="0"/>
-                    </a:p>
-                  </a:txBody>
-                  <a:tcPr anchor="ctr"/>
-                </a:tc>
-                <a:tc>
-                  <a:txBody>
-                    <a:bodyPr/>
-                    <a:lstStyle/>
-                    <a:p>
-                      <a:pPr algn="ctr" latinLnBrk="1"/>
-                      <a:r>
-                        <a:rPr lang="en-US" altLang="ko-KR" dirty="0" smtClean="0"/>
-                        <a:t>88,674</a:t>
-                      </a:r>
-                      <a:endParaRPr lang="ko-KR" altLang="en-US" dirty="0"/>
-                    </a:p>
-                  </a:txBody>
-                  <a:tcPr anchor="ctr"/>
-                </a:tc>
-              </a:tr>
-            </a:tbl>
-          </a:graphicData>
-        </a:graphic>
-      </p:graphicFrame>
+      <p:sp>
+        <p:nvSpPr>
+          <p:cNvPr id="13" name="액자 12"/>
+          <p:cNvSpPr/>
+          <p:nvPr/>
+        </p:nvSpPr>
+        <p:spPr>
+          <a:xfrm>
+            <a:off x="4275782" y="2165130"/>
+            <a:ext cx="7317130" cy="991405"/>
+          </a:xfrm>
+          <a:prstGeom prst="frame">
+            <a:avLst>
+              <a:gd name="adj1" fmla="val 2163"/>
+            </a:avLst>
+          </a:prstGeom>
+          <a:solidFill>
+            <a:srgbClr val="FF0000"/>
+          </a:solidFill>
+          <a:ln>
+            <a:solidFill>
+              <a:srgbClr val="FF0000"/>
+            </a:solidFill>
+          </a:ln>
+        </p:spPr>
+        <p:style>
+          <a:lnRef idx="2">
+            <a:schemeClr val="accent1">
+              <a:shade val="50000"/>
+            </a:schemeClr>
+          </a:lnRef>
+          <a:fillRef idx="1">
+            <a:schemeClr val="accent1"/>
+          </a:fillRef>
+          <a:effectRef idx="0">
+            <a:schemeClr val="accent1"/>
+          </a:effectRef>
+          <a:fontRef idx="minor">
+            <a:schemeClr val="lt1"/>
+          </a:fontRef>
+        </p:style>
+        <p:txBody>
+          <a:bodyPr rtlCol="0" anchor="ctr"/>
+          <a:lstStyle/>
+          <a:p>
+            <a:pPr algn="ctr"/>
+            <a:endParaRPr lang="ko-KR" altLang="en-US">
+              <a:solidFill>
+                <a:schemeClr val="tx1"/>
+              </a:solidFill>
+            </a:endParaRPr>
+          </a:p>
+        </p:txBody>
+      </p:sp>
+      <p:sp>
+        <p:nvSpPr>
+          <p:cNvPr id="17" name="액자 16"/>
+          <p:cNvSpPr/>
+          <p:nvPr/>
+        </p:nvSpPr>
+        <p:spPr>
+          <a:xfrm>
+            <a:off x="4248696" y="4422020"/>
+            <a:ext cx="7344216" cy="1859670"/>
+          </a:xfrm>
+          <a:prstGeom prst="frame">
+            <a:avLst>
+              <a:gd name="adj1" fmla="val 1033"/>
+            </a:avLst>
+          </a:prstGeom>
+          <a:solidFill>
+            <a:srgbClr val="FF0000"/>
+          </a:solidFill>
+          <a:ln>
+            <a:solidFill>
+              <a:srgbClr val="FF0000"/>
+            </a:solidFill>
+          </a:ln>
+        </p:spPr>
+        <p:style>
+          <a:lnRef idx="2">
+            <a:schemeClr val="accent1">
+              <a:shade val="50000"/>
+            </a:schemeClr>
+          </a:lnRef>
+          <a:fillRef idx="1">
+            <a:schemeClr val="accent1"/>
+          </a:fillRef>
+          <a:effectRef idx="0">
+            <a:schemeClr val="accent1"/>
+          </a:effectRef>
+          <a:fontRef idx="minor">
+            <a:schemeClr val="lt1"/>
+          </a:fontRef>
+        </p:style>
+        <p:txBody>
+          <a:bodyPr rtlCol="0" anchor="ctr"/>
+          <a:lstStyle/>
+          <a:p>
+            <a:pPr algn="ctr"/>
+            <a:endParaRPr lang="ko-KR" altLang="en-US">
+              <a:solidFill>
+                <a:schemeClr val="tx1"/>
+              </a:solidFill>
+            </a:endParaRPr>
+          </a:p>
+        </p:txBody>
+      </p:sp>
     </p:spTree>
     <p:extLst>
       <p:ext uri="{BB962C8B-B14F-4D97-AF65-F5344CB8AC3E}">
@@ -8149,7 +8387,7 @@
           <p:cNvPr id="14" name="직사각형 13">
             <a:extLst>
               <a:ext uri="{FF2B5EF4-FFF2-40B4-BE49-F238E27FC236}">
-                <a16:creationId xmlns:a16="http://schemas.microsoft.com/office/drawing/2014/main" xmlns="" id="{3FA00699-5178-465A-9F3F-130CF1431F70}"/>
+                <a16:creationId xmlns:a16="http://schemas.microsoft.com/office/drawing/2014/main" id="{3FA00699-5178-465A-9F3F-130CF1431F70}"/>
               </a:ext>
             </a:extLst>
           </p:cNvPr>
@@ -8201,7 +8439,7 @@
           <p:cNvPr id="16" name="직사각형 15">
             <a:extLst>
               <a:ext uri="{FF2B5EF4-FFF2-40B4-BE49-F238E27FC236}">
-                <a16:creationId xmlns:a16="http://schemas.microsoft.com/office/drawing/2014/main" xmlns="" id="{3FA00699-5178-465A-9F3F-130CF1431F70}"/>
+                <a16:creationId xmlns:a16="http://schemas.microsoft.com/office/drawing/2014/main" id="{3FA00699-5178-465A-9F3F-130CF1431F70}"/>
               </a:ext>
             </a:extLst>
           </p:cNvPr>
@@ -8357,9 +8595,27 @@
                 <a:tableStyleId>{5940675A-B579-460E-94D1-54222C63F5DA}</a:tableStyleId>
               </a:tblPr>
               <a:tblGrid>
-                <a:gridCol w="1575298"/>
-                <a:gridCol w="1575298"/>
-                <a:gridCol w="1575298"/>
+                <a:gridCol w="1575298">
+                  <a:extLst>
+                    <a:ext uri="{9D8B030D-6E8A-4147-A177-3AD203B41FA5}">
+                      <a16:colId xmlns:a16="http://schemas.microsoft.com/office/drawing/2014/main" val="20000"/>
+                    </a:ext>
+                  </a:extLst>
+                </a:gridCol>
+                <a:gridCol w="1575298">
+                  <a:extLst>
+                    <a:ext uri="{9D8B030D-6E8A-4147-A177-3AD203B41FA5}">
+                      <a16:colId xmlns:a16="http://schemas.microsoft.com/office/drawing/2014/main" val="20001"/>
+                    </a:ext>
+                  </a:extLst>
+                </a:gridCol>
+                <a:gridCol w="1575298">
+                  <a:extLst>
+                    <a:ext uri="{9D8B030D-6E8A-4147-A177-3AD203B41FA5}">
+                      <a16:colId xmlns:a16="http://schemas.microsoft.com/office/drawing/2014/main" val="20002"/>
+                    </a:ext>
+                  </a:extLst>
+                </a:gridCol>
               </a:tblGrid>
               <a:tr h="732391">
                 <a:tc>
@@ -8413,6 +8669,11 @@
                   </a:txBody>
                   <a:tcPr anchor="ctr"/>
                 </a:tc>
+                <a:extLst>
+                  <a:ext uri="{0D108BD9-81ED-4DB2-BD59-A6C34878D82A}">
+                    <a16:rowId xmlns:a16="http://schemas.microsoft.com/office/drawing/2014/main" val="10000"/>
+                  </a:ext>
+                </a:extLst>
               </a:tr>
               <a:tr h="732391">
                 <a:tc>
@@ -8466,6 +8727,11 @@
                   </a:txBody>
                   <a:tcPr anchor="ctr"/>
                 </a:tc>
+                <a:extLst>
+                  <a:ext uri="{0D108BD9-81ED-4DB2-BD59-A6C34878D82A}">
+                    <a16:rowId xmlns:a16="http://schemas.microsoft.com/office/drawing/2014/main" val="10001"/>
+                  </a:ext>
+                </a:extLst>
               </a:tr>
               <a:tr h="732391">
                 <a:tc>
@@ -8527,6 +8793,11 @@
                   </a:txBody>
                   <a:tcPr anchor="ctr"/>
                 </a:tc>
+                <a:extLst>
+                  <a:ext uri="{0D108BD9-81ED-4DB2-BD59-A6C34878D82A}">
+                    <a16:rowId xmlns:a16="http://schemas.microsoft.com/office/drawing/2014/main" val="10002"/>
+                  </a:ext>
+                </a:extLst>
               </a:tr>
               <a:tr h="732391">
                 <a:tc>
@@ -8580,6 +8851,11 @@
                   </a:txBody>
                   <a:tcPr anchor="ctr"/>
                 </a:tc>
+                <a:extLst>
+                  <a:ext uri="{0D108BD9-81ED-4DB2-BD59-A6C34878D82A}">
+                    <a16:rowId xmlns:a16="http://schemas.microsoft.com/office/drawing/2014/main" val="10003"/>
+                  </a:ext>
+                </a:extLst>
               </a:tr>
               <a:tr h="732391">
                 <a:tc>
@@ -8633,6 +8909,11 @@
                   </a:txBody>
                   <a:tcPr anchor="ctr"/>
                 </a:tc>
+                <a:extLst>
+                  <a:ext uri="{0D108BD9-81ED-4DB2-BD59-A6C34878D82A}">
+                    <a16:rowId xmlns:a16="http://schemas.microsoft.com/office/drawing/2014/main" val="10004"/>
+                  </a:ext>
+                </a:extLst>
               </a:tr>
               <a:tr h="732391">
                 <a:tc>
@@ -8686,6 +8967,11 @@
                   </a:txBody>
                   <a:tcPr anchor="ctr"/>
                 </a:tc>
+                <a:extLst>
+                  <a:ext uri="{0D108BD9-81ED-4DB2-BD59-A6C34878D82A}">
+                    <a16:rowId xmlns:a16="http://schemas.microsoft.com/office/drawing/2014/main" val="10005"/>
+                  </a:ext>
+                </a:extLst>
               </a:tr>
             </a:tbl>
           </a:graphicData>
@@ -9061,7 +9347,7 @@
           <p:cNvPr id="14" name="직사각형 13">
             <a:extLst>
               <a:ext uri="{FF2B5EF4-FFF2-40B4-BE49-F238E27FC236}">
-                <a16:creationId xmlns:a16="http://schemas.microsoft.com/office/drawing/2014/main" xmlns="" id="{3FA00699-5178-465A-9F3F-130CF1431F70}"/>
+                <a16:creationId xmlns:a16="http://schemas.microsoft.com/office/drawing/2014/main" id="{3FA00699-5178-465A-9F3F-130CF1431F70}"/>
               </a:ext>
             </a:extLst>
           </p:cNvPr>
@@ -9113,7 +9399,7 @@
           <p:cNvPr id="16" name="직사각형 15">
             <a:extLst>
               <a:ext uri="{FF2B5EF4-FFF2-40B4-BE49-F238E27FC236}">
-                <a16:creationId xmlns:a16="http://schemas.microsoft.com/office/drawing/2014/main" xmlns="" id="{3FA00699-5178-465A-9F3F-130CF1431F70}"/>
+                <a16:creationId xmlns:a16="http://schemas.microsoft.com/office/drawing/2014/main" id="{3FA00699-5178-465A-9F3F-130CF1431F70}"/>
               </a:ext>
             </a:extLst>
           </p:cNvPr>
@@ -9192,14 +9478,62 @@
       </p:sp>
       <p:pic>
         <p:nvPicPr>
-          <p:cNvPr id="4098" name="Picture 2"/>
+          <p:cNvPr id="13" name="그림 12"/>
+          <p:cNvPicPr>
+            <a:picLocks noChangeAspect="1"/>
+          </p:cNvPicPr>
+          <p:nvPr/>
+        </p:nvPicPr>
+        <p:blipFill>
+          <a:blip r:embed="rId2"/>
+          <a:stretch>
+            <a:fillRect/>
+          </a:stretch>
+        </p:blipFill>
+        <p:spPr>
+          <a:xfrm>
+            <a:off x="495935" y="2886150"/>
+            <a:ext cx="5946391" cy="3200653"/>
+          </a:xfrm>
+          <a:prstGeom prst="rect">
+            <a:avLst/>
+          </a:prstGeom>
+        </p:spPr>
+      </p:pic>
+      <p:pic>
+        <p:nvPicPr>
+          <p:cNvPr id="15" name="그림 14"/>
+          <p:cNvPicPr>
+            <a:picLocks noChangeAspect="1"/>
+          </p:cNvPicPr>
+          <p:nvPr/>
+        </p:nvPicPr>
+        <p:blipFill>
+          <a:blip r:embed="rId3"/>
+          <a:stretch>
+            <a:fillRect/>
+          </a:stretch>
+        </p:blipFill>
+        <p:spPr>
+          <a:xfrm>
+            <a:off x="494465" y="1610432"/>
+            <a:ext cx="5968956" cy="1275718"/>
+          </a:xfrm>
+          <a:prstGeom prst="rect">
+            <a:avLst/>
+          </a:prstGeom>
+        </p:spPr>
+      </p:pic>
+      <p:pic>
+        <p:nvPicPr>
+          <p:cNvPr id="19" name="Picture 2"/>
           <p:cNvPicPr>
             <a:picLocks noChangeAspect="1" noChangeArrowheads="1"/>
           </p:cNvPicPr>
           <p:nvPr/>
         </p:nvPicPr>
         <p:blipFill>
-          <a:blip r:embed="rId2">
+          <a:blip r:embed="rId4">
             <a:extLst>
               <a:ext uri="{28A0092B-C50C-407E-A947-70E740481C1C}">
                 <a14:useLocalDpi xmlns:a14="http://schemas.microsoft.com/office/drawing/2010/main" val="0"/>
@@ -9213,72 +9547,8 @@
         </p:blipFill>
         <p:spPr bwMode="auto">
           <a:xfrm>
-            <a:off x="7968208" y="1308476"/>
+            <a:off x="7873618" y="1308476"/>
             <a:ext cx="2724150" cy="876300"/>
-          </a:xfrm>
-          <a:prstGeom prst="rect">
-            <a:avLst/>
-          </a:prstGeom>
-          <a:noFill/>
-          <a:ln>
-            <a:noFill/>
-          </a:ln>
-          <a:effectLst/>
-          <a:extLst>
-            <a:ext uri="{909E8E84-426E-40DD-AFC4-6F175D3DCCD1}">
-              <a14:hiddenFill xmlns:a14="http://schemas.microsoft.com/office/drawing/2010/main">
-                <a:solidFill>
-                  <a:schemeClr val="accent1"/>
-                </a:solidFill>
-              </a14:hiddenFill>
-            </a:ext>
-            <a:ext uri="{91240B29-F687-4F45-9708-019B960494DF}">
-              <a14:hiddenLine xmlns:a14="http://schemas.microsoft.com/office/drawing/2010/main" w="9525">
-                <a:solidFill>
-                  <a:schemeClr val="tx1"/>
-                </a:solidFill>
-                <a:miter lim="800000"/>
-                <a:headEnd/>
-                <a:tailEnd/>
-              </a14:hiddenLine>
-            </a:ext>
-            <a:ext uri="{AF507438-7753-43E0-B8FC-AC1667EBCBE1}">
-              <a14:hiddenEffects xmlns:a14="http://schemas.microsoft.com/office/drawing/2010/main">
-                <a:effectLst>
-                  <a:outerShdw dist="35921" dir="2700000" algn="ctr" rotWithShape="0">
-                    <a:schemeClr val="bg2"/>
-                  </a:outerShdw>
-                </a:effectLst>
-              </a14:hiddenEffects>
-            </a:ext>
-          </a:extLst>
-        </p:spPr>
-      </p:pic>
-      <p:pic>
-        <p:nvPicPr>
-          <p:cNvPr id="4099" name="Picture 3"/>
-          <p:cNvPicPr>
-            <a:picLocks noChangeAspect="1" noChangeArrowheads="1"/>
-          </p:cNvPicPr>
-          <p:nvPr/>
-        </p:nvPicPr>
-        <p:blipFill>
-          <a:blip r:embed="rId3">
-            <a:extLst>
-              <a:ext uri="{28A0092B-C50C-407E-A947-70E740481C1C}">
-                <a14:useLocalDpi xmlns:a14="http://schemas.microsoft.com/office/drawing/2010/main" val="0"/>
-              </a:ext>
-            </a:extLst>
-          </a:blip>
-          <a:srcRect/>
-          <a:stretch>
-            <a:fillRect/>
-          </a:stretch>
-        </p:blipFill>
-        <p:spPr bwMode="auto">
-          <a:xfrm>
-            <a:off x="589055" y="1611299"/>
-            <a:ext cx="5949314" cy="1274853"/>
           </a:xfrm>
           <a:prstGeom prst="rect">
             <a:avLst/>
@@ -9320,13 +9590,13 @@
       </p:pic>
       <p:sp>
         <p:nvSpPr>
-          <p:cNvPr id="11" name="액자 10"/>
+          <p:cNvPr id="20" name="액자 19"/>
           <p:cNvSpPr/>
           <p:nvPr/>
         </p:nvSpPr>
         <p:spPr>
           <a:xfrm>
-            <a:off x="1368074" y="2036326"/>
+            <a:off x="1273484" y="2036326"/>
             <a:ext cx="5168843" cy="680750"/>
           </a:xfrm>
           <a:prstGeom prst="frame">
@@ -9372,86 +9642,22 @@
           </a:p>
         </p:txBody>
       </p:sp>
-      <p:pic>
-        <p:nvPicPr>
-          <p:cNvPr id="4100" name="Picture 4"/>
-          <p:cNvPicPr>
-            <a:picLocks noChangeAspect="1" noChangeArrowheads="1"/>
-          </p:cNvPicPr>
-          <p:nvPr/>
-        </p:nvPicPr>
-        <p:blipFill>
-          <a:blip r:embed="rId4">
-            <a:extLst>
-              <a:ext uri="{28A0092B-C50C-407E-A947-70E740481C1C}">
-                <a14:useLocalDpi xmlns:a14="http://schemas.microsoft.com/office/drawing/2010/main" val="0"/>
-              </a:ext>
-            </a:extLst>
-          </a:blip>
-          <a:srcRect/>
-          <a:stretch>
-            <a:fillRect/>
-          </a:stretch>
-        </p:blipFill>
-        <p:spPr bwMode="auto">
-          <a:xfrm>
-            <a:off x="590507" y="2907864"/>
-            <a:ext cx="5947861" cy="3286009"/>
-          </a:xfrm>
-          <a:prstGeom prst="rect">
-            <a:avLst/>
-          </a:prstGeom>
-          <a:noFill/>
-          <a:ln>
-            <a:noFill/>
-          </a:ln>
-          <a:effectLst/>
-          <a:extLst>
-            <a:ext uri="{909E8E84-426E-40DD-AFC4-6F175D3DCCD1}">
-              <a14:hiddenFill xmlns:a14="http://schemas.microsoft.com/office/drawing/2010/main">
-                <a:solidFill>
-                  <a:schemeClr val="accent1"/>
-                </a:solidFill>
-              </a14:hiddenFill>
-            </a:ext>
-            <a:ext uri="{91240B29-F687-4F45-9708-019B960494DF}">
-              <a14:hiddenLine xmlns:a14="http://schemas.microsoft.com/office/drawing/2010/main" w="9525">
-                <a:solidFill>
-                  <a:schemeClr val="tx1"/>
-                </a:solidFill>
-                <a:miter lim="800000"/>
-                <a:headEnd/>
-                <a:tailEnd/>
-              </a14:hiddenLine>
-            </a:ext>
-            <a:ext uri="{AF507438-7753-43E0-B8FC-AC1667EBCBE1}">
-              <a14:hiddenEffects xmlns:a14="http://schemas.microsoft.com/office/drawing/2010/main">
-                <a:effectLst>
-                  <a:outerShdw dist="35921" dir="2700000" algn="ctr" rotWithShape="0">
-                    <a:schemeClr val="bg2"/>
-                  </a:outerShdw>
-                </a:effectLst>
-              </a14:hiddenEffects>
-            </a:ext>
-          </a:extLst>
-        </p:spPr>
-      </p:pic>
       <p:graphicFrame>
         <p:nvGraphicFramePr>
-          <p:cNvPr id="17" name="표 16"/>
+          <p:cNvPr id="21" name="표 20"/>
           <p:cNvGraphicFramePr>
             <a:graphicFrameLocks noGrp="1"/>
           </p:cNvGraphicFramePr>
           <p:nvPr>
             <p:extLst>
               <p:ext uri="{D42A27DB-BD31-4B8C-83A1-F6EECF244321}">
-                <p14:modId xmlns:p14="http://schemas.microsoft.com/office/powerpoint/2010/main" val="1859230347"/>
+                <p14:modId xmlns:p14="http://schemas.microsoft.com/office/powerpoint/2010/main" val="1688834053"/>
               </p:ext>
             </p:extLst>
           </p:nvPr>
         </p:nvGraphicFramePr>
         <p:xfrm>
-          <a:off x="6701243" y="2424042"/>
+          <a:off x="6606653" y="2424042"/>
           <a:ext cx="5438505" cy="3678390"/>
         </p:xfrm>
         <a:graphic>
@@ -9461,11 +9667,41 @@
                 <a:tableStyleId>{5940675A-B579-460E-94D1-54222C63F5DA}</a:tableStyleId>
               </a:tblPr>
               <a:tblGrid>
-                <a:gridCol w="1087701"/>
-                <a:gridCol w="1087701"/>
-                <a:gridCol w="1087701"/>
-                <a:gridCol w="1087701"/>
-                <a:gridCol w="1087701"/>
+                <a:gridCol w="1087701">
+                  <a:extLst>
+                    <a:ext uri="{9D8B030D-6E8A-4147-A177-3AD203B41FA5}">
+                      <a16:colId xmlns:a16="http://schemas.microsoft.com/office/drawing/2014/main" val="20000"/>
+                    </a:ext>
+                  </a:extLst>
+                </a:gridCol>
+                <a:gridCol w="1087701">
+                  <a:extLst>
+                    <a:ext uri="{9D8B030D-6E8A-4147-A177-3AD203B41FA5}">
+                      <a16:colId xmlns:a16="http://schemas.microsoft.com/office/drawing/2014/main" val="20001"/>
+                    </a:ext>
+                  </a:extLst>
+                </a:gridCol>
+                <a:gridCol w="1087701">
+                  <a:extLst>
+                    <a:ext uri="{9D8B030D-6E8A-4147-A177-3AD203B41FA5}">
+                      <a16:colId xmlns:a16="http://schemas.microsoft.com/office/drawing/2014/main" val="20002"/>
+                    </a:ext>
+                  </a:extLst>
+                </a:gridCol>
+                <a:gridCol w="1087701">
+                  <a:extLst>
+                    <a:ext uri="{9D8B030D-6E8A-4147-A177-3AD203B41FA5}">
+                      <a16:colId xmlns:a16="http://schemas.microsoft.com/office/drawing/2014/main" val="20003"/>
+                    </a:ext>
+                  </a:extLst>
+                </a:gridCol>
+                <a:gridCol w="1087701">
+                  <a:extLst>
+                    <a:ext uri="{9D8B030D-6E8A-4147-A177-3AD203B41FA5}">
+                      <a16:colId xmlns:a16="http://schemas.microsoft.com/office/drawing/2014/main" val="20004"/>
+                    </a:ext>
+                  </a:extLst>
+                </a:gridCol>
               </a:tblGrid>
               <a:tr h="613065">
                 <a:tc>
@@ -9549,6 +9785,11 @@
                   </a:txBody>
                   <a:tcPr anchor="ctr"/>
                 </a:tc>
+                <a:extLst>
+                  <a:ext uri="{0D108BD9-81ED-4DB2-BD59-A6C34878D82A}">
+                    <a16:rowId xmlns:a16="http://schemas.microsoft.com/office/drawing/2014/main" val="10000"/>
+                  </a:ext>
+                </a:extLst>
               </a:tr>
               <a:tr h="613065">
                 <a:tc>
@@ -9632,6 +9873,11 @@
                   </a:txBody>
                   <a:tcPr anchor="ctr"/>
                 </a:tc>
+                <a:extLst>
+                  <a:ext uri="{0D108BD9-81ED-4DB2-BD59-A6C34878D82A}">
+                    <a16:rowId xmlns:a16="http://schemas.microsoft.com/office/drawing/2014/main" val="10001"/>
+                  </a:ext>
+                </a:extLst>
               </a:tr>
               <a:tr h="613065">
                 <a:tc>
@@ -9722,6 +9968,11 @@
                   </a:txBody>
                   <a:tcPr anchor="ctr"/>
                 </a:tc>
+                <a:extLst>
+                  <a:ext uri="{0D108BD9-81ED-4DB2-BD59-A6C34878D82A}">
+                    <a16:rowId xmlns:a16="http://schemas.microsoft.com/office/drawing/2014/main" val="10002"/>
+                  </a:ext>
+                </a:extLst>
               </a:tr>
               <a:tr h="613065">
                 <a:tc>
@@ -9776,7 +10027,7 @@
                       <a:pPr algn="ctr" latinLnBrk="1"/>
                       <a:r>
                         <a:rPr lang="en-US" altLang="ko-KR" sz="1400" dirty="0" smtClean="0"/>
-                        <a:t>177,529</a:t>
+                        <a:t>216,883</a:t>
                       </a:r>
                       <a:endParaRPr lang="ko-KR" altLang="en-US" sz="1400" dirty="0"/>
                     </a:p>
@@ -9813,6 +10064,11 @@
                   </a:txBody>
                   <a:tcPr anchor="ctr"/>
                 </a:tc>
+                <a:extLst>
+                  <a:ext uri="{0D108BD9-81ED-4DB2-BD59-A6C34878D82A}">
+                    <a16:rowId xmlns:a16="http://schemas.microsoft.com/office/drawing/2014/main" val="10003"/>
+                  </a:ext>
+                </a:extLst>
               </a:tr>
               <a:tr h="613065">
                 <a:tc>
@@ -9823,7 +10079,7 @@
                       <a:pPr algn="ctr" latinLnBrk="1"/>
                       <a:r>
                         <a:rPr lang="ko-KR" altLang="en-US" sz="1400" dirty="0" smtClean="0"/>
-                        <a:t>최저</a:t>
+                        <a:t>평균</a:t>
                       </a:r>
                       <a:endParaRPr lang="en-US" altLang="ko-KR" sz="1400" dirty="0" smtClean="0"/>
                     </a:p>
@@ -9867,7 +10123,7 @@
                       <a:pPr algn="ctr" latinLnBrk="1"/>
                       <a:r>
                         <a:rPr lang="en-US" altLang="ko-KR" sz="1400" dirty="0" smtClean="0"/>
-                        <a:t>141,446</a:t>
+                        <a:t>197,206</a:t>
                       </a:r>
                       <a:endParaRPr lang="ko-KR" altLang="en-US" sz="1400" dirty="0"/>
                     </a:p>
@@ -9882,7 +10138,7 @@
                       <a:pPr algn="ctr" latinLnBrk="1"/>
                       <a:r>
                         <a:rPr lang="en-US" altLang="ko-KR" sz="1400" dirty="0" smtClean="0"/>
-                        <a:t>141,446</a:t>
+                        <a:t>159,487</a:t>
                       </a:r>
                       <a:endParaRPr lang="ko-KR" altLang="en-US" sz="1400" dirty="0"/>
                     </a:p>
@@ -9897,13 +10153,18 @@
                       <a:pPr algn="ctr" latinLnBrk="1"/>
                       <a:r>
                         <a:rPr lang="en-US" altLang="ko-KR" sz="1400" dirty="0" smtClean="0"/>
-                        <a:t>185,919</a:t>
+                        <a:t>222,323</a:t>
                       </a:r>
                       <a:endParaRPr lang="ko-KR" altLang="en-US" sz="1400" dirty="0"/>
                     </a:p>
                   </a:txBody>
                   <a:tcPr anchor="ctr"/>
                 </a:tc>
+                <a:extLst>
+                  <a:ext uri="{0D108BD9-81ED-4DB2-BD59-A6C34878D82A}">
+                    <a16:rowId xmlns:a16="http://schemas.microsoft.com/office/drawing/2014/main" val="10004"/>
+                  </a:ext>
+                </a:extLst>
               </a:tr>
               <a:tr h="613065">
                 <a:tc>
@@ -9914,7 +10175,7 @@
                       <a:pPr algn="ctr" latinLnBrk="1"/>
                       <a:r>
                         <a:rPr lang="ko-KR" altLang="en-US" sz="1400" dirty="0" smtClean="0"/>
-                        <a:t>평균</a:t>
+                        <a:t>총</a:t>
                       </a:r>
                       <a:endParaRPr lang="en-US" altLang="ko-KR" sz="1400" dirty="0" smtClean="0"/>
                     </a:p>
@@ -9958,7 +10219,7 @@
                       <a:pPr algn="ctr" latinLnBrk="1"/>
                       <a:r>
                         <a:rPr lang="en-US" altLang="ko-KR" sz="1400" dirty="0" smtClean="0"/>
-                        <a:t>159,487</a:t>
+                        <a:t>394,412</a:t>
                       </a:r>
                       <a:endParaRPr lang="ko-KR" altLang="en-US" sz="1400" dirty="0"/>
                     </a:p>
@@ -9973,7 +10234,7 @@
                       <a:pPr algn="ctr" latinLnBrk="1"/>
                       <a:r>
                         <a:rPr lang="en-US" altLang="ko-KR" sz="1400" dirty="0" smtClean="0"/>
-                        <a:t>159,487</a:t>
+                        <a:t>318,974</a:t>
                       </a:r>
                       <a:endParaRPr lang="ko-KR" altLang="en-US" sz="1400" dirty="0"/>
                     </a:p>
@@ -9988,13 +10249,18 @@
                       <a:pPr algn="ctr" latinLnBrk="1"/>
                       <a:r>
                         <a:rPr lang="en-US" altLang="ko-KR" sz="1400" dirty="0" smtClean="0"/>
-                        <a:t>222,323</a:t>
+                        <a:t>666,969</a:t>
                       </a:r>
                       <a:endParaRPr lang="ko-KR" altLang="en-US" sz="1400" dirty="0"/>
                     </a:p>
                   </a:txBody>
                   <a:tcPr anchor="ctr"/>
                 </a:tc>
+                <a:extLst>
+                  <a:ext uri="{0D108BD9-81ED-4DB2-BD59-A6C34878D82A}">
+                    <a16:rowId xmlns:a16="http://schemas.microsoft.com/office/drawing/2014/main" val="10005"/>
+                  </a:ext>
+                </a:extLst>
               </a:tr>
             </a:tbl>
           </a:graphicData>
@@ -10002,18 +10268,126 @@
       </p:graphicFrame>
       <p:sp>
         <p:nvSpPr>
-          <p:cNvPr id="18" name="액자 17"/>
+          <p:cNvPr id="22" name="액자 21"/>
           <p:cNvSpPr/>
           <p:nvPr/>
         </p:nvSpPr>
         <p:spPr>
           <a:xfrm>
-            <a:off x="1382589" y="4335388"/>
-            <a:ext cx="5168843" cy="1921720"/>
+            <a:off x="468339" y="4230884"/>
+            <a:ext cx="5962378" cy="1921720"/>
           </a:xfrm>
           <a:prstGeom prst="frame">
             <a:avLst>
               <a:gd name="adj1" fmla="val 2154"/>
+            </a:avLst>
+          </a:prstGeom>
+          <a:solidFill>
+            <a:srgbClr val="FF0000"/>
+          </a:solidFill>
+          <a:ln>
+            <a:solidFill>
+              <a:srgbClr val="FF0000"/>
+            </a:solidFill>
+          </a:ln>
+        </p:spPr>
+        <p:style>
+          <a:lnRef idx="2">
+            <a:schemeClr val="accent1">
+              <a:shade val="50000"/>
+            </a:schemeClr>
+          </a:lnRef>
+          <a:fillRef idx="1">
+            <a:schemeClr val="accent1"/>
+          </a:fillRef>
+          <a:effectRef idx="0">
+            <a:schemeClr val="accent1"/>
+          </a:effectRef>
+          <a:fontRef idx="minor">
+            <a:schemeClr val="lt1"/>
+          </a:fontRef>
+        </p:style>
+        <p:txBody>
+          <a:bodyPr rtlCol="0" anchor="ctr"/>
+          <a:lstStyle/>
+          <a:p>
+            <a:pPr algn="ctr"/>
+            <a:endParaRPr lang="ko-KR" altLang="en-US">
+              <a:solidFill>
+                <a:schemeClr val="tx1"/>
+              </a:solidFill>
+            </a:endParaRPr>
+          </a:p>
+        </p:txBody>
+      </p:sp>
+      <p:sp>
+        <p:nvSpPr>
+          <p:cNvPr id="26" name="액자 25"/>
+          <p:cNvSpPr/>
+          <p:nvPr/>
+        </p:nvSpPr>
+        <p:spPr>
+          <a:xfrm>
+            <a:off x="6482969" y="2950126"/>
+            <a:ext cx="5614442" cy="795893"/>
+          </a:xfrm>
+          <a:prstGeom prst="frame">
+            <a:avLst>
+              <a:gd name="adj1" fmla="val 2163"/>
+            </a:avLst>
+          </a:prstGeom>
+          <a:solidFill>
+            <a:srgbClr val="FF0000"/>
+          </a:solidFill>
+          <a:ln>
+            <a:solidFill>
+              <a:srgbClr val="FF0000"/>
+            </a:solidFill>
+          </a:ln>
+        </p:spPr>
+        <p:style>
+          <a:lnRef idx="2">
+            <a:schemeClr val="accent1">
+              <a:shade val="50000"/>
+            </a:schemeClr>
+          </a:lnRef>
+          <a:fillRef idx="1">
+            <a:schemeClr val="accent1"/>
+          </a:fillRef>
+          <a:effectRef idx="0">
+            <a:schemeClr val="accent1"/>
+          </a:effectRef>
+          <a:fontRef idx="minor">
+            <a:schemeClr val="lt1"/>
+          </a:fontRef>
+        </p:style>
+        <p:txBody>
+          <a:bodyPr rtlCol="0" anchor="ctr"/>
+          <a:lstStyle/>
+          <a:p>
+            <a:pPr algn="ctr"/>
+            <a:endParaRPr lang="ko-KR" altLang="en-US">
+              <a:solidFill>
+                <a:schemeClr val="tx1"/>
+              </a:solidFill>
+            </a:endParaRPr>
+          </a:p>
+        </p:txBody>
+      </p:sp>
+      <p:sp>
+        <p:nvSpPr>
+          <p:cNvPr id="27" name="액자 26"/>
+          <p:cNvSpPr/>
+          <p:nvPr/>
+        </p:nvSpPr>
+        <p:spPr>
+          <a:xfrm>
+            <a:off x="6482969" y="4202797"/>
+            <a:ext cx="5614442" cy="1941130"/>
+          </a:xfrm>
+          <a:prstGeom prst="frame">
+            <a:avLst>
+              <a:gd name="adj1" fmla="val 1033"/>
             </a:avLst>
           </a:prstGeom>
           <a:solidFill>
@@ -10329,7 +10703,7 @@
   <a:extraClrSchemeLst/>
   <a:extLst>
     <a:ext uri="{05A4C25C-085E-4340-85A3-A5531E510DB2}">
-      <thm15:themeFamily xmlns:thm15="http://schemas.microsoft.com/office/thememl/2012/main" xmlns="" name="Office Theme" id="{62F939B6-93AF-4DB8-9C6B-D6C7DFDC589F}" vid="{4A3C46E8-61CC-4603-A589-7422A47A8E4A}"/>
+      <thm15:themeFamily xmlns:thm15="http://schemas.microsoft.com/office/thememl/2012/main" name="Office Theme" id="{62F939B6-93AF-4DB8-9C6B-D6C7DFDC589F}" vid="{4A3C46E8-61CC-4603-A589-7422A47A8E4A}"/>
     </a:ext>
   </a:extLst>
 </a:theme>
@@ -10590,7 +10964,7 @@
   <a:extraClrSchemeLst/>
   <a:extLst>
     <a:ext uri="{05A4C25C-085E-4340-85A3-A5531E510DB2}">
-      <thm15:themeFamily xmlns:thm15="http://schemas.microsoft.com/office/thememl/2012/main" xmlns="" name="Office Theme" id="{62F939B6-93AF-4DB8-9C6B-D6C7DFDC589F}" vid="{4A3C46E8-61CC-4603-A589-7422A47A8E4A}"/>
+      <thm15:themeFamily xmlns:thm15="http://schemas.microsoft.com/office/thememl/2012/main" name="Office Theme" id="{62F939B6-93AF-4DB8-9C6B-D6C7DFDC589F}" vid="{4A3C46E8-61CC-4603-A589-7422A47A8E4A}"/>
     </a:ext>
   </a:extLst>
 </a:theme>
